--- a/docs/Structure.pptx
+++ b/docs/Structure.pptx
@@ -105,6 +105,11 @@
       </a:defRPr>
     </a:lvl9pPr>
   </p:defaultTextStyle>
+  <p:extLst>
+    <p:ext uri="{EFAFB233-063F-42B5-8137-9DF3F51BA10A}">
+      <p15:sldGuideLst xmlns:p15="http://schemas.microsoft.com/office/powerpoint/2012/main"/>
+    </p:ext>
+  </p:extLst>
 </p:presentation>
 </file>
 
@@ -855,7 +860,1111 @@
 </dgm:colorsDef>
 </file>
 
+<file path=ppt/diagrams/colors2.xml><?xml version="1.0" encoding="utf-8"?>
+<dgm:colorsDef xmlns:dgm="http://schemas.openxmlformats.org/drawingml/2006/diagram" xmlns:a="http://schemas.openxmlformats.org/drawingml/2006/main" uniqueId="urn:microsoft.com/office/officeart/2005/8/colors/accent1_2">
+  <dgm:title val=""/>
+  <dgm:desc val=""/>
+  <dgm:catLst>
+    <dgm:cat type="accent1" pri="11200"/>
+  </dgm:catLst>
+  <dgm:styleLbl name="node0">
+    <dgm:fillClrLst meth="repeat">
+      <a:schemeClr val="accent1"/>
+    </dgm:fillClrLst>
+    <dgm:linClrLst meth="repeat">
+      <a:schemeClr val="lt1"/>
+    </dgm:linClrLst>
+    <dgm:effectClrLst/>
+    <dgm:txLinClrLst/>
+    <dgm:txFillClrLst/>
+    <dgm:txEffectClrLst/>
+  </dgm:styleLbl>
+  <dgm:styleLbl name="alignNode1">
+    <dgm:fillClrLst meth="repeat">
+      <a:schemeClr val="accent1"/>
+    </dgm:fillClrLst>
+    <dgm:linClrLst meth="repeat">
+      <a:schemeClr val="accent1"/>
+    </dgm:linClrLst>
+    <dgm:effectClrLst/>
+    <dgm:txLinClrLst/>
+    <dgm:txFillClrLst/>
+    <dgm:txEffectClrLst/>
+  </dgm:styleLbl>
+  <dgm:styleLbl name="node1">
+    <dgm:fillClrLst meth="repeat">
+      <a:schemeClr val="accent1"/>
+    </dgm:fillClrLst>
+    <dgm:linClrLst meth="repeat">
+      <a:schemeClr val="lt1"/>
+    </dgm:linClrLst>
+    <dgm:effectClrLst/>
+    <dgm:txLinClrLst/>
+    <dgm:txFillClrLst/>
+    <dgm:txEffectClrLst/>
+  </dgm:styleLbl>
+  <dgm:styleLbl name="lnNode1">
+    <dgm:fillClrLst meth="repeat">
+      <a:schemeClr val="accent1"/>
+    </dgm:fillClrLst>
+    <dgm:linClrLst meth="repeat">
+      <a:schemeClr val="lt1"/>
+    </dgm:linClrLst>
+    <dgm:effectClrLst/>
+    <dgm:txLinClrLst/>
+    <dgm:txFillClrLst/>
+    <dgm:txEffectClrLst/>
+  </dgm:styleLbl>
+  <dgm:styleLbl name="vennNode1">
+    <dgm:fillClrLst meth="repeat">
+      <a:schemeClr val="accent1">
+        <a:alpha val="50000"/>
+      </a:schemeClr>
+    </dgm:fillClrLst>
+    <dgm:linClrLst meth="repeat">
+      <a:schemeClr val="lt1"/>
+    </dgm:linClrLst>
+    <dgm:effectClrLst/>
+    <dgm:txLinClrLst/>
+    <dgm:txFillClrLst/>
+    <dgm:txEffectClrLst/>
+  </dgm:styleLbl>
+  <dgm:styleLbl name="node2">
+    <dgm:fillClrLst meth="repeat">
+      <a:schemeClr val="accent1"/>
+    </dgm:fillClrLst>
+    <dgm:linClrLst meth="repeat">
+      <a:schemeClr val="lt1"/>
+    </dgm:linClrLst>
+    <dgm:effectClrLst/>
+    <dgm:txLinClrLst/>
+    <dgm:txFillClrLst/>
+    <dgm:txEffectClrLst/>
+  </dgm:styleLbl>
+  <dgm:styleLbl name="node3">
+    <dgm:fillClrLst meth="repeat">
+      <a:schemeClr val="accent1"/>
+    </dgm:fillClrLst>
+    <dgm:linClrLst meth="repeat">
+      <a:schemeClr val="lt1"/>
+    </dgm:linClrLst>
+    <dgm:effectClrLst/>
+    <dgm:txLinClrLst/>
+    <dgm:txFillClrLst/>
+    <dgm:txEffectClrLst/>
+  </dgm:styleLbl>
+  <dgm:styleLbl name="node4">
+    <dgm:fillClrLst meth="repeat">
+      <a:schemeClr val="accent1"/>
+    </dgm:fillClrLst>
+    <dgm:linClrLst meth="repeat">
+      <a:schemeClr val="lt1"/>
+    </dgm:linClrLst>
+    <dgm:effectClrLst/>
+    <dgm:txLinClrLst/>
+    <dgm:txFillClrLst/>
+    <dgm:txEffectClrLst/>
+  </dgm:styleLbl>
+  <dgm:styleLbl name="fgImgPlace1">
+    <dgm:fillClrLst meth="repeat">
+      <a:schemeClr val="accent1">
+        <a:tint val="50000"/>
+      </a:schemeClr>
+    </dgm:fillClrLst>
+    <dgm:linClrLst meth="repeat">
+      <a:schemeClr val="lt1"/>
+    </dgm:linClrLst>
+    <dgm:effectClrLst/>
+    <dgm:txLinClrLst/>
+    <dgm:txFillClrLst meth="repeat">
+      <a:schemeClr val="lt1"/>
+    </dgm:txFillClrLst>
+    <dgm:txEffectClrLst/>
+  </dgm:styleLbl>
+  <dgm:styleLbl name="alignImgPlace1">
+    <dgm:fillClrLst meth="repeat">
+      <a:schemeClr val="accent1">
+        <a:tint val="50000"/>
+      </a:schemeClr>
+    </dgm:fillClrLst>
+    <dgm:linClrLst meth="repeat">
+      <a:schemeClr val="lt1"/>
+    </dgm:linClrLst>
+    <dgm:effectClrLst/>
+    <dgm:txLinClrLst/>
+    <dgm:txFillClrLst meth="repeat">
+      <a:schemeClr val="lt1"/>
+    </dgm:txFillClrLst>
+    <dgm:txEffectClrLst/>
+  </dgm:styleLbl>
+  <dgm:styleLbl name="bgImgPlace1">
+    <dgm:fillClrLst meth="repeat">
+      <a:schemeClr val="accent1">
+        <a:tint val="50000"/>
+      </a:schemeClr>
+    </dgm:fillClrLst>
+    <dgm:linClrLst meth="repeat">
+      <a:schemeClr val="lt1"/>
+    </dgm:linClrLst>
+    <dgm:effectClrLst/>
+    <dgm:txLinClrLst/>
+    <dgm:txFillClrLst meth="repeat">
+      <a:schemeClr val="lt1"/>
+    </dgm:txFillClrLst>
+    <dgm:txEffectClrLst/>
+  </dgm:styleLbl>
+  <dgm:styleLbl name="sibTrans2D1">
+    <dgm:fillClrLst meth="repeat">
+      <a:schemeClr val="accent1">
+        <a:tint val="60000"/>
+      </a:schemeClr>
+    </dgm:fillClrLst>
+    <dgm:linClrLst meth="repeat">
+      <a:schemeClr val="accent1">
+        <a:tint val="60000"/>
+      </a:schemeClr>
+    </dgm:linClrLst>
+    <dgm:effectClrLst/>
+    <dgm:txLinClrLst/>
+    <dgm:txFillClrLst/>
+    <dgm:txEffectClrLst/>
+  </dgm:styleLbl>
+  <dgm:styleLbl name="fgSibTrans2D1">
+    <dgm:fillClrLst meth="repeat">
+      <a:schemeClr val="accent1">
+        <a:tint val="60000"/>
+      </a:schemeClr>
+    </dgm:fillClrLst>
+    <dgm:linClrLst meth="repeat">
+      <a:schemeClr val="accent1">
+        <a:tint val="60000"/>
+      </a:schemeClr>
+    </dgm:linClrLst>
+    <dgm:effectClrLst/>
+    <dgm:txLinClrLst/>
+    <dgm:txFillClrLst/>
+    <dgm:txEffectClrLst/>
+  </dgm:styleLbl>
+  <dgm:styleLbl name="bgSibTrans2D1">
+    <dgm:fillClrLst meth="repeat">
+      <a:schemeClr val="accent1">
+        <a:tint val="60000"/>
+      </a:schemeClr>
+    </dgm:fillClrLst>
+    <dgm:linClrLst meth="repeat">
+      <a:schemeClr val="accent1">
+        <a:tint val="60000"/>
+      </a:schemeClr>
+    </dgm:linClrLst>
+    <dgm:effectClrLst/>
+    <dgm:txLinClrLst/>
+    <dgm:txFillClrLst/>
+    <dgm:txEffectClrLst/>
+  </dgm:styleLbl>
+  <dgm:styleLbl name="sibTrans1D1">
+    <dgm:fillClrLst meth="repeat">
+      <a:schemeClr val="accent1"/>
+    </dgm:fillClrLst>
+    <dgm:linClrLst meth="repeat">
+      <a:schemeClr val="accent1"/>
+    </dgm:linClrLst>
+    <dgm:effectClrLst/>
+    <dgm:txLinClrLst/>
+    <dgm:txFillClrLst meth="repeat">
+      <a:schemeClr val="tx1"/>
+    </dgm:txFillClrLst>
+    <dgm:txEffectClrLst/>
+  </dgm:styleLbl>
+  <dgm:styleLbl name="callout">
+    <dgm:fillClrLst meth="repeat">
+      <a:schemeClr val="accent1"/>
+    </dgm:fillClrLst>
+    <dgm:linClrLst meth="repeat">
+      <a:schemeClr val="accent1">
+        <a:tint val="50000"/>
+      </a:schemeClr>
+    </dgm:linClrLst>
+    <dgm:effectClrLst/>
+    <dgm:txLinClrLst/>
+    <dgm:txFillClrLst meth="repeat">
+      <a:schemeClr val="tx1"/>
+    </dgm:txFillClrLst>
+    <dgm:txEffectClrLst/>
+  </dgm:styleLbl>
+  <dgm:styleLbl name="asst0">
+    <dgm:fillClrLst meth="repeat">
+      <a:schemeClr val="accent1"/>
+    </dgm:fillClrLst>
+    <dgm:linClrLst meth="repeat">
+      <a:schemeClr val="lt1"/>
+    </dgm:linClrLst>
+    <dgm:effectClrLst/>
+    <dgm:txLinClrLst/>
+    <dgm:txFillClrLst/>
+    <dgm:txEffectClrLst/>
+  </dgm:styleLbl>
+  <dgm:styleLbl name="asst1">
+    <dgm:fillClrLst meth="repeat">
+      <a:schemeClr val="accent1"/>
+    </dgm:fillClrLst>
+    <dgm:linClrLst meth="repeat">
+      <a:schemeClr val="lt1"/>
+    </dgm:linClrLst>
+    <dgm:effectClrLst/>
+    <dgm:txLinClrLst/>
+    <dgm:txFillClrLst/>
+    <dgm:txEffectClrLst/>
+  </dgm:styleLbl>
+  <dgm:styleLbl name="asst2">
+    <dgm:fillClrLst meth="repeat">
+      <a:schemeClr val="accent1"/>
+    </dgm:fillClrLst>
+    <dgm:linClrLst meth="repeat">
+      <a:schemeClr val="lt1"/>
+    </dgm:linClrLst>
+    <dgm:effectClrLst/>
+    <dgm:txLinClrLst/>
+    <dgm:txFillClrLst/>
+    <dgm:txEffectClrLst/>
+  </dgm:styleLbl>
+  <dgm:styleLbl name="asst3">
+    <dgm:fillClrLst meth="repeat">
+      <a:schemeClr val="accent1"/>
+    </dgm:fillClrLst>
+    <dgm:linClrLst meth="repeat">
+      <a:schemeClr val="lt1"/>
+    </dgm:linClrLst>
+    <dgm:effectClrLst/>
+    <dgm:txLinClrLst/>
+    <dgm:txFillClrLst/>
+    <dgm:txEffectClrLst/>
+  </dgm:styleLbl>
+  <dgm:styleLbl name="asst4">
+    <dgm:fillClrLst meth="repeat">
+      <a:schemeClr val="accent1"/>
+    </dgm:fillClrLst>
+    <dgm:linClrLst meth="repeat">
+      <a:schemeClr val="lt1"/>
+    </dgm:linClrLst>
+    <dgm:effectClrLst/>
+    <dgm:txLinClrLst/>
+    <dgm:txFillClrLst/>
+    <dgm:txEffectClrLst/>
+  </dgm:styleLbl>
+  <dgm:styleLbl name="parChTrans2D1">
+    <dgm:fillClrLst meth="repeat">
+      <a:schemeClr val="accent1">
+        <a:tint val="60000"/>
+      </a:schemeClr>
+    </dgm:fillClrLst>
+    <dgm:linClrLst meth="repeat">
+      <a:schemeClr val="accent1">
+        <a:tint val="60000"/>
+      </a:schemeClr>
+    </dgm:linClrLst>
+    <dgm:effectClrLst/>
+    <dgm:txLinClrLst/>
+    <dgm:txFillClrLst meth="repeat">
+      <a:schemeClr val="lt1"/>
+    </dgm:txFillClrLst>
+    <dgm:txEffectClrLst/>
+  </dgm:styleLbl>
+  <dgm:styleLbl name="parChTrans2D2">
+    <dgm:fillClrLst meth="repeat">
+      <a:schemeClr val="accent1"/>
+    </dgm:fillClrLst>
+    <dgm:linClrLst meth="repeat">
+      <a:schemeClr val="accent1"/>
+    </dgm:linClrLst>
+    <dgm:effectClrLst/>
+    <dgm:txLinClrLst/>
+    <dgm:txFillClrLst meth="repeat">
+      <a:schemeClr val="lt1"/>
+    </dgm:txFillClrLst>
+    <dgm:txEffectClrLst/>
+  </dgm:styleLbl>
+  <dgm:styleLbl name="parChTrans2D3">
+    <dgm:fillClrLst meth="repeat">
+      <a:schemeClr val="accent1"/>
+    </dgm:fillClrLst>
+    <dgm:linClrLst meth="repeat">
+      <a:schemeClr val="accent1"/>
+    </dgm:linClrLst>
+    <dgm:effectClrLst/>
+    <dgm:txLinClrLst/>
+    <dgm:txFillClrLst meth="repeat">
+      <a:schemeClr val="lt1"/>
+    </dgm:txFillClrLst>
+    <dgm:txEffectClrLst/>
+  </dgm:styleLbl>
+  <dgm:styleLbl name="parChTrans2D4">
+    <dgm:fillClrLst meth="repeat">
+      <a:schemeClr val="accent1"/>
+    </dgm:fillClrLst>
+    <dgm:linClrLst meth="repeat">
+      <a:schemeClr val="accent1"/>
+    </dgm:linClrLst>
+    <dgm:effectClrLst/>
+    <dgm:txLinClrLst/>
+    <dgm:txFillClrLst meth="repeat">
+      <a:schemeClr val="lt1"/>
+    </dgm:txFillClrLst>
+    <dgm:txEffectClrLst/>
+  </dgm:styleLbl>
+  <dgm:styleLbl name="parChTrans1D1">
+    <dgm:fillClrLst meth="repeat">
+      <a:schemeClr val="accent1"/>
+    </dgm:fillClrLst>
+    <dgm:linClrLst meth="repeat">
+      <a:schemeClr val="accent1">
+        <a:shade val="60000"/>
+      </a:schemeClr>
+    </dgm:linClrLst>
+    <dgm:effectClrLst/>
+    <dgm:txLinClrLst/>
+    <dgm:txFillClrLst meth="repeat">
+      <a:schemeClr val="tx1"/>
+    </dgm:txFillClrLst>
+    <dgm:txEffectClrLst/>
+  </dgm:styleLbl>
+  <dgm:styleLbl name="parChTrans1D2">
+    <dgm:fillClrLst meth="repeat">
+      <a:schemeClr val="accent1"/>
+    </dgm:fillClrLst>
+    <dgm:linClrLst meth="repeat">
+      <a:schemeClr val="accent1">
+        <a:shade val="60000"/>
+      </a:schemeClr>
+    </dgm:linClrLst>
+    <dgm:effectClrLst/>
+    <dgm:txLinClrLst/>
+    <dgm:txFillClrLst meth="repeat">
+      <a:schemeClr val="tx1"/>
+    </dgm:txFillClrLst>
+    <dgm:txEffectClrLst/>
+  </dgm:styleLbl>
+  <dgm:styleLbl name="parChTrans1D3">
+    <dgm:fillClrLst meth="repeat">
+      <a:schemeClr val="accent1"/>
+    </dgm:fillClrLst>
+    <dgm:linClrLst meth="repeat">
+      <a:schemeClr val="accent1">
+        <a:shade val="80000"/>
+      </a:schemeClr>
+    </dgm:linClrLst>
+    <dgm:effectClrLst/>
+    <dgm:txLinClrLst/>
+    <dgm:txFillClrLst meth="repeat">
+      <a:schemeClr val="tx1"/>
+    </dgm:txFillClrLst>
+    <dgm:txEffectClrLst/>
+  </dgm:styleLbl>
+  <dgm:styleLbl name="parChTrans1D4">
+    <dgm:fillClrLst meth="repeat">
+      <a:schemeClr val="accent1"/>
+    </dgm:fillClrLst>
+    <dgm:linClrLst meth="repeat">
+      <a:schemeClr val="accent1">
+        <a:shade val="80000"/>
+      </a:schemeClr>
+    </dgm:linClrLst>
+    <dgm:effectClrLst/>
+    <dgm:txLinClrLst/>
+    <dgm:txFillClrLst meth="repeat">
+      <a:schemeClr val="tx1"/>
+    </dgm:txFillClrLst>
+    <dgm:txEffectClrLst/>
+  </dgm:styleLbl>
+  <dgm:styleLbl name="fgAcc1">
+    <dgm:fillClrLst meth="repeat">
+      <a:schemeClr val="lt1">
+        <a:alpha val="90000"/>
+      </a:schemeClr>
+    </dgm:fillClrLst>
+    <dgm:linClrLst meth="repeat">
+      <a:schemeClr val="accent1"/>
+    </dgm:linClrLst>
+    <dgm:effectClrLst/>
+    <dgm:txLinClrLst/>
+    <dgm:txFillClrLst meth="repeat">
+      <a:schemeClr val="dk1"/>
+    </dgm:txFillClrLst>
+    <dgm:txEffectClrLst/>
+  </dgm:styleLbl>
+  <dgm:styleLbl name="conFgAcc1">
+    <dgm:fillClrLst meth="repeat">
+      <a:schemeClr val="lt1">
+        <a:alpha val="90000"/>
+      </a:schemeClr>
+    </dgm:fillClrLst>
+    <dgm:linClrLst meth="repeat">
+      <a:schemeClr val="accent1"/>
+    </dgm:linClrLst>
+    <dgm:effectClrLst/>
+    <dgm:txLinClrLst/>
+    <dgm:txFillClrLst meth="repeat">
+      <a:schemeClr val="dk1"/>
+    </dgm:txFillClrLst>
+    <dgm:txEffectClrLst/>
+  </dgm:styleLbl>
+  <dgm:styleLbl name="alignAcc1">
+    <dgm:fillClrLst meth="repeat">
+      <a:schemeClr val="lt1">
+        <a:alpha val="90000"/>
+      </a:schemeClr>
+    </dgm:fillClrLst>
+    <dgm:linClrLst meth="repeat">
+      <a:schemeClr val="accent1"/>
+    </dgm:linClrLst>
+    <dgm:effectClrLst/>
+    <dgm:txLinClrLst/>
+    <dgm:txFillClrLst meth="repeat">
+      <a:schemeClr val="dk1"/>
+    </dgm:txFillClrLst>
+    <dgm:txEffectClrLst/>
+  </dgm:styleLbl>
+  <dgm:styleLbl name="trAlignAcc1">
+    <dgm:fillClrLst meth="repeat">
+      <a:schemeClr val="lt1">
+        <a:alpha val="40000"/>
+      </a:schemeClr>
+    </dgm:fillClrLst>
+    <dgm:linClrLst meth="repeat">
+      <a:schemeClr val="accent1"/>
+    </dgm:linClrLst>
+    <dgm:effectClrLst/>
+    <dgm:txLinClrLst/>
+    <dgm:txFillClrLst meth="repeat">
+      <a:schemeClr val="dk1"/>
+    </dgm:txFillClrLst>
+    <dgm:txEffectClrLst/>
+  </dgm:styleLbl>
+  <dgm:styleLbl name="bgAcc1">
+    <dgm:fillClrLst meth="repeat">
+      <a:schemeClr val="lt1">
+        <a:alpha val="90000"/>
+      </a:schemeClr>
+    </dgm:fillClrLst>
+    <dgm:linClrLst meth="repeat">
+      <a:schemeClr val="accent1"/>
+    </dgm:linClrLst>
+    <dgm:effectClrLst/>
+    <dgm:txLinClrLst/>
+    <dgm:txFillClrLst meth="repeat">
+      <a:schemeClr val="dk1"/>
+    </dgm:txFillClrLst>
+    <dgm:txEffectClrLst/>
+  </dgm:styleLbl>
+  <dgm:styleLbl name="solidFgAcc1">
+    <dgm:fillClrLst meth="repeat">
+      <a:schemeClr val="lt1"/>
+    </dgm:fillClrLst>
+    <dgm:linClrLst meth="repeat">
+      <a:schemeClr val="accent1"/>
+    </dgm:linClrLst>
+    <dgm:effectClrLst/>
+    <dgm:txLinClrLst/>
+    <dgm:txFillClrLst meth="repeat">
+      <a:schemeClr val="dk1"/>
+    </dgm:txFillClrLst>
+    <dgm:txEffectClrLst/>
+  </dgm:styleLbl>
+  <dgm:styleLbl name="solidAlignAcc1">
+    <dgm:fillClrLst meth="repeat">
+      <a:schemeClr val="lt1"/>
+    </dgm:fillClrLst>
+    <dgm:linClrLst meth="repeat">
+      <a:schemeClr val="accent1"/>
+    </dgm:linClrLst>
+    <dgm:effectClrLst/>
+    <dgm:txLinClrLst/>
+    <dgm:txFillClrLst meth="repeat">
+      <a:schemeClr val="dk1"/>
+    </dgm:txFillClrLst>
+    <dgm:txEffectClrLst/>
+  </dgm:styleLbl>
+  <dgm:styleLbl name="solidBgAcc1">
+    <dgm:fillClrLst meth="repeat">
+      <a:schemeClr val="lt1"/>
+    </dgm:fillClrLst>
+    <dgm:linClrLst meth="repeat">
+      <a:schemeClr val="accent1"/>
+    </dgm:linClrLst>
+    <dgm:effectClrLst/>
+    <dgm:txLinClrLst/>
+    <dgm:txFillClrLst meth="repeat">
+      <a:schemeClr val="dk1"/>
+    </dgm:txFillClrLst>
+    <dgm:txEffectClrLst/>
+  </dgm:styleLbl>
+  <dgm:styleLbl name="fgAccFollowNode1">
+    <dgm:fillClrLst meth="repeat">
+      <a:schemeClr val="accent1">
+        <a:alpha val="90000"/>
+        <a:tint val="40000"/>
+      </a:schemeClr>
+    </dgm:fillClrLst>
+    <dgm:linClrLst meth="repeat">
+      <a:schemeClr val="accent1">
+        <a:alpha val="90000"/>
+        <a:tint val="40000"/>
+      </a:schemeClr>
+    </dgm:linClrLst>
+    <dgm:effectClrLst/>
+    <dgm:txLinClrLst/>
+    <dgm:txFillClrLst meth="repeat">
+      <a:schemeClr val="dk1"/>
+    </dgm:txFillClrLst>
+    <dgm:txEffectClrLst/>
+  </dgm:styleLbl>
+  <dgm:styleLbl name="alignAccFollowNode1">
+    <dgm:fillClrLst meth="repeat">
+      <a:schemeClr val="accent1">
+        <a:alpha val="90000"/>
+        <a:tint val="40000"/>
+      </a:schemeClr>
+    </dgm:fillClrLst>
+    <dgm:linClrLst meth="repeat">
+      <a:schemeClr val="accent1">
+        <a:alpha val="90000"/>
+        <a:tint val="40000"/>
+      </a:schemeClr>
+    </dgm:linClrLst>
+    <dgm:effectClrLst/>
+    <dgm:txLinClrLst/>
+    <dgm:txFillClrLst meth="repeat">
+      <a:schemeClr val="dk1"/>
+    </dgm:txFillClrLst>
+    <dgm:txEffectClrLst/>
+  </dgm:styleLbl>
+  <dgm:styleLbl name="bgAccFollowNode1">
+    <dgm:fillClrLst meth="repeat">
+      <a:schemeClr val="accent1">
+        <a:alpha val="90000"/>
+        <a:tint val="40000"/>
+      </a:schemeClr>
+    </dgm:fillClrLst>
+    <dgm:linClrLst meth="repeat">
+      <a:schemeClr val="accent1">
+        <a:alpha val="90000"/>
+        <a:tint val="40000"/>
+      </a:schemeClr>
+    </dgm:linClrLst>
+    <dgm:effectClrLst/>
+    <dgm:txLinClrLst/>
+    <dgm:txFillClrLst meth="repeat">
+      <a:schemeClr val="dk1"/>
+    </dgm:txFillClrLst>
+    <dgm:txEffectClrLst/>
+  </dgm:styleLbl>
+  <dgm:styleLbl name="fgAcc0">
+    <dgm:fillClrLst meth="repeat">
+      <a:schemeClr val="lt1">
+        <a:alpha val="90000"/>
+      </a:schemeClr>
+    </dgm:fillClrLst>
+    <dgm:linClrLst meth="repeat">
+      <a:schemeClr val="accent1"/>
+    </dgm:linClrLst>
+    <dgm:effectClrLst/>
+    <dgm:txLinClrLst/>
+    <dgm:txFillClrLst meth="repeat">
+      <a:schemeClr val="dk1"/>
+    </dgm:txFillClrLst>
+    <dgm:txEffectClrLst/>
+  </dgm:styleLbl>
+  <dgm:styleLbl name="fgAcc2">
+    <dgm:fillClrLst meth="repeat">
+      <a:schemeClr val="lt1">
+        <a:alpha val="90000"/>
+      </a:schemeClr>
+    </dgm:fillClrLst>
+    <dgm:linClrLst meth="repeat">
+      <a:schemeClr val="accent1"/>
+    </dgm:linClrLst>
+    <dgm:effectClrLst/>
+    <dgm:txLinClrLst/>
+    <dgm:txFillClrLst meth="repeat">
+      <a:schemeClr val="dk1"/>
+    </dgm:txFillClrLst>
+    <dgm:txEffectClrLst/>
+  </dgm:styleLbl>
+  <dgm:styleLbl name="fgAcc3">
+    <dgm:fillClrLst meth="repeat">
+      <a:schemeClr val="lt1">
+        <a:alpha val="90000"/>
+      </a:schemeClr>
+    </dgm:fillClrLst>
+    <dgm:linClrLst meth="repeat">
+      <a:schemeClr val="accent1"/>
+    </dgm:linClrLst>
+    <dgm:effectClrLst/>
+    <dgm:txLinClrLst/>
+    <dgm:txFillClrLst meth="repeat">
+      <a:schemeClr val="dk1"/>
+    </dgm:txFillClrLst>
+    <dgm:txEffectClrLst/>
+  </dgm:styleLbl>
+  <dgm:styleLbl name="fgAcc4">
+    <dgm:fillClrLst meth="repeat">
+      <a:schemeClr val="lt1">
+        <a:alpha val="90000"/>
+      </a:schemeClr>
+    </dgm:fillClrLst>
+    <dgm:linClrLst meth="repeat">
+      <a:schemeClr val="accent1"/>
+    </dgm:linClrLst>
+    <dgm:effectClrLst/>
+    <dgm:txLinClrLst/>
+    <dgm:txFillClrLst meth="repeat">
+      <a:schemeClr val="dk1"/>
+    </dgm:txFillClrLst>
+    <dgm:txEffectClrLst/>
+  </dgm:styleLbl>
+  <dgm:styleLbl name="bgShp">
+    <dgm:fillClrLst meth="repeat">
+      <a:schemeClr val="accent1">
+        <a:tint val="40000"/>
+      </a:schemeClr>
+    </dgm:fillClrLst>
+    <dgm:linClrLst meth="repeat">
+      <a:schemeClr val="accent1"/>
+    </dgm:linClrLst>
+    <dgm:effectClrLst/>
+    <dgm:txLinClrLst/>
+    <dgm:txFillClrLst meth="repeat">
+      <a:schemeClr val="dk1"/>
+    </dgm:txFillClrLst>
+    <dgm:txEffectClrLst/>
+  </dgm:styleLbl>
+  <dgm:styleLbl name="dkBgShp">
+    <dgm:fillClrLst meth="repeat">
+      <a:schemeClr val="accent1">
+        <a:shade val="80000"/>
+      </a:schemeClr>
+    </dgm:fillClrLst>
+    <dgm:linClrLst meth="repeat">
+      <a:schemeClr val="accent1"/>
+    </dgm:linClrLst>
+    <dgm:effectClrLst/>
+    <dgm:txLinClrLst/>
+    <dgm:txFillClrLst meth="repeat">
+      <a:schemeClr val="lt1"/>
+    </dgm:txFillClrLst>
+    <dgm:txEffectClrLst/>
+  </dgm:styleLbl>
+  <dgm:styleLbl name="trBgShp">
+    <dgm:fillClrLst meth="repeat">
+      <a:schemeClr val="accent1">
+        <a:tint val="50000"/>
+        <a:alpha val="40000"/>
+      </a:schemeClr>
+    </dgm:fillClrLst>
+    <dgm:linClrLst meth="repeat">
+      <a:schemeClr val="accent1"/>
+    </dgm:linClrLst>
+    <dgm:effectClrLst/>
+    <dgm:txLinClrLst/>
+    <dgm:txFillClrLst meth="repeat">
+      <a:schemeClr val="lt1"/>
+    </dgm:txFillClrLst>
+    <dgm:txEffectClrLst/>
+  </dgm:styleLbl>
+  <dgm:styleLbl name="fgShp">
+    <dgm:fillClrLst meth="repeat">
+      <a:schemeClr val="accent1">
+        <a:tint val="60000"/>
+      </a:schemeClr>
+    </dgm:fillClrLst>
+    <dgm:linClrLst meth="repeat">
+      <a:schemeClr val="lt1"/>
+    </dgm:linClrLst>
+    <dgm:effectClrLst/>
+    <dgm:txLinClrLst/>
+    <dgm:txFillClrLst meth="repeat">
+      <a:schemeClr val="dk1"/>
+    </dgm:txFillClrLst>
+    <dgm:txEffectClrLst/>
+  </dgm:styleLbl>
+  <dgm:styleLbl name="revTx">
+    <dgm:fillClrLst meth="repeat">
+      <a:schemeClr val="lt1">
+        <a:alpha val="0"/>
+      </a:schemeClr>
+    </dgm:fillClrLst>
+    <dgm:linClrLst meth="repeat">
+      <a:schemeClr val="dk1">
+        <a:alpha val="0"/>
+      </a:schemeClr>
+    </dgm:linClrLst>
+    <dgm:effectClrLst/>
+    <dgm:txLinClrLst/>
+    <dgm:txFillClrLst meth="repeat">
+      <a:schemeClr val="tx1"/>
+    </dgm:txFillClrLst>
+    <dgm:txEffectClrLst/>
+  </dgm:styleLbl>
+</dgm:colorsDef>
+</file>
+
 <file path=ppt/diagrams/data1.xml><?xml version="1.0" encoding="utf-8"?>
+<dgm:dataModel xmlns:dgm="http://schemas.openxmlformats.org/drawingml/2006/diagram" xmlns:a="http://schemas.openxmlformats.org/drawingml/2006/main">
+  <dgm:ptLst>
+    <dgm:pt modelId="{64C9B0DB-2DD5-4729-A004-CFC5537BF5CC}" type="doc">
+      <dgm:prSet loTypeId="urn:microsoft.com/office/officeart/2005/8/layout/lProcess2" loCatId="list" qsTypeId="urn:microsoft.com/office/officeart/2005/8/quickstyle/simple1" qsCatId="simple" csTypeId="urn:microsoft.com/office/officeart/2005/8/colors/accent1_2" csCatId="accent1" phldr="1"/>
+      <dgm:spPr/>
+      <dgm:t>
+        <a:bodyPr/>
+        <a:lstStyle/>
+        <a:p>
+          <a:endParaRPr lang="pt-PT"/>
+        </a:p>
+      </dgm:t>
+    </dgm:pt>
+    <dgm:pt modelId="{6C2F4DE7-8AB2-407B-9DBB-077CD077658F}">
+      <dgm:prSet phldrT="[Texto]" custT="1">
+        <dgm:style>
+          <a:lnRef idx="2">
+            <a:schemeClr val="accent1"/>
+          </a:lnRef>
+          <a:fillRef idx="1">
+            <a:schemeClr val="lt1"/>
+          </a:fillRef>
+          <a:effectRef idx="0">
+            <a:schemeClr val="accent1"/>
+          </a:effectRef>
+          <a:fontRef idx="minor">
+            <a:schemeClr val="dk1"/>
+          </a:fontRef>
+        </dgm:style>
+      </dgm:prSet>
+      <dgm:spPr>
+        <a:solidFill>
+          <a:schemeClr val="accent6">
+            <a:lumMod val="20000"/>
+            <a:lumOff val="80000"/>
+          </a:schemeClr>
+        </a:solidFill>
+        <a:ln/>
+      </dgm:spPr>
+      <dgm:t>
+        <a:bodyPr/>
+        <a:lstStyle/>
+        <a:p>
+          <a:r>
+            <a:rPr lang="pt-PT" sz="5400" b="1" dirty="0" smtClean="0"/>
+            <a:t>Software</a:t>
+          </a:r>
+          <a:endParaRPr lang="pt-PT" sz="5400" b="1" dirty="0"/>
+        </a:p>
+      </dgm:t>
+    </dgm:pt>
+    <dgm:pt modelId="{6FFEC69C-4CCB-467C-8241-72D0AD724B66}" type="parTrans" cxnId="{9E1788AC-79EF-490F-8E4B-4E0B57F428D0}">
+      <dgm:prSet/>
+      <dgm:spPr/>
+      <dgm:t>
+        <a:bodyPr/>
+        <a:lstStyle/>
+        <a:p>
+          <a:endParaRPr lang="pt-PT"/>
+        </a:p>
+      </dgm:t>
+    </dgm:pt>
+    <dgm:pt modelId="{E38F1A91-3193-45B3-88F8-7470961B54B1}" type="sibTrans" cxnId="{9E1788AC-79EF-490F-8E4B-4E0B57F428D0}">
+      <dgm:prSet/>
+      <dgm:spPr/>
+      <dgm:t>
+        <a:bodyPr/>
+        <a:lstStyle/>
+        <a:p>
+          <a:endParaRPr lang="pt-PT"/>
+        </a:p>
+      </dgm:t>
+    </dgm:pt>
+    <dgm:pt modelId="{D5A54D43-CC00-4236-8C0F-5BBE87C88E6D}">
+      <dgm:prSet phldrT="[Texto]" custT="1"/>
+      <dgm:spPr>
+        <a:solidFill>
+          <a:schemeClr val="accent6">
+            <a:lumMod val="75000"/>
+          </a:schemeClr>
+        </a:solidFill>
+        <a:ln>
+          <a:solidFill>
+            <a:schemeClr val="accent1">
+              <a:lumMod val="60000"/>
+              <a:lumOff val="40000"/>
+            </a:schemeClr>
+          </a:solidFill>
+        </a:ln>
+      </dgm:spPr>
+      <dgm:t>
+        <a:bodyPr/>
+        <a:lstStyle/>
+        <a:p>
+          <a:r>
+            <a:rPr lang="pt-PT" sz="2800" dirty="0" smtClean="0"/>
+            <a:t>Module A</a:t>
+          </a:r>
+          <a:endParaRPr lang="pt-PT" sz="2800" dirty="0"/>
+        </a:p>
+      </dgm:t>
+    </dgm:pt>
+    <dgm:pt modelId="{CF2E54D8-C26E-4E89-BE30-4FCB8B59EB0C}" type="parTrans" cxnId="{4627F6E4-53C9-4A45-B645-998BDBA5E96B}">
+      <dgm:prSet/>
+      <dgm:spPr/>
+      <dgm:t>
+        <a:bodyPr/>
+        <a:lstStyle/>
+        <a:p>
+          <a:endParaRPr lang="pt-PT"/>
+        </a:p>
+      </dgm:t>
+    </dgm:pt>
+    <dgm:pt modelId="{2E50E0C2-F42C-4C50-A365-E95DC5331DBE}" type="sibTrans" cxnId="{4627F6E4-53C9-4A45-B645-998BDBA5E96B}">
+      <dgm:prSet/>
+      <dgm:spPr/>
+      <dgm:t>
+        <a:bodyPr/>
+        <a:lstStyle/>
+        <a:p>
+          <a:endParaRPr lang="pt-PT"/>
+        </a:p>
+      </dgm:t>
+    </dgm:pt>
+    <dgm:pt modelId="{AE93F72A-61BD-462B-A37C-0A00CC4FE8D0}">
+      <dgm:prSet phldrT="[Texto]" custT="1"/>
+      <dgm:spPr>
+        <a:solidFill>
+          <a:schemeClr val="accent6">
+            <a:lumMod val="75000"/>
+          </a:schemeClr>
+        </a:solidFill>
+        <a:ln>
+          <a:solidFill>
+            <a:schemeClr val="accent1">
+              <a:lumMod val="60000"/>
+              <a:lumOff val="40000"/>
+            </a:schemeClr>
+          </a:solidFill>
+        </a:ln>
+      </dgm:spPr>
+      <dgm:t>
+        <a:bodyPr/>
+        <a:lstStyle/>
+        <a:p>
+          <a:r>
+            <a:rPr lang="pt-PT" sz="2800" dirty="0" smtClean="0"/>
+            <a:t>Module B</a:t>
+          </a:r>
+          <a:endParaRPr lang="pt-PT" sz="2800" dirty="0"/>
+        </a:p>
+      </dgm:t>
+    </dgm:pt>
+    <dgm:pt modelId="{FE14957B-6369-4034-A6BB-652FD4B32842}" type="parTrans" cxnId="{0C9F76ED-644B-4F20-BFBF-9BA8DEE4F110}">
+      <dgm:prSet/>
+      <dgm:spPr/>
+      <dgm:t>
+        <a:bodyPr/>
+        <a:lstStyle/>
+        <a:p>
+          <a:endParaRPr lang="pt-PT"/>
+        </a:p>
+      </dgm:t>
+    </dgm:pt>
+    <dgm:pt modelId="{D1C8B73F-948D-4791-A046-8E28A6F0221D}" type="sibTrans" cxnId="{0C9F76ED-644B-4F20-BFBF-9BA8DEE4F110}">
+      <dgm:prSet/>
+      <dgm:spPr/>
+      <dgm:t>
+        <a:bodyPr/>
+        <a:lstStyle/>
+        <a:p>
+          <a:endParaRPr lang="pt-PT"/>
+        </a:p>
+      </dgm:t>
+    </dgm:pt>
+    <dgm:pt modelId="{EB4A4758-E585-4BA0-8B8B-0C072B3A70AF}">
+      <dgm:prSet phldrT="[Texto]" custT="1"/>
+      <dgm:spPr>
+        <a:solidFill>
+          <a:schemeClr val="accent6">
+            <a:lumMod val="75000"/>
+          </a:schemeClr>
+        </a:solidFill>
+        <a:ln>
+          <a:solidFill>
+            <a:schemeClr val="accent1">
+              <a:lumMod val="60000"/>
+              <a:lumOff val="40000"/>
+            </a:schemeClr>
+          </a:solidFill>
+        </a:ln>
+      </dgm:spPr>
+      <dgm:t>
+        <a:bodyPr/>
+        <a:lstStyle/>
+        <a:p>
+          <a:r>
+            <a:rPr lang="pt-PT" sz="2800" dirty="0" smtClean="0"/>
+            <a:t>Module X</a:t>
+          </a:r>
+          <a:endParaRPr lang="pt-PT" sz="2800" dirty="0"/>
+        </a:p>
+      </dgm:t>
+    </dgm:pt>
+    <dgm:pt modelId="{92033C2E-18EB-4F20-AD25-F7406726AB58}" type="parTrans" cxnId="{5E53ADDC-8C3C-4676-9910-957F73739E6D}">
+      <dgm:prSet/>
+      <dgm:spPr/>
+      <dgm:t>
+        <a:bodyPr/>
+        <a:lstStyle/>
+        <a:p>
+          <a:endParaRPr lang="pt-PT"/>
+        </a:p>
+      </dgm:t>
+    </dgm:pt>
+    <dgm:pt modelId="{0818F253-7D13-41F4-BF3F-8D8F4426C214}" type="sibTrans" cxnId="{5E53ADDC-8C3C-4676-9910-957F73739E6D}">
+      <dgm:prSet/>
+      <dgm:spPr/>
+      <dgm:t>
+        <a:bodyPr/>
+        <a:lstStyle/>
+        <a:p>
+          <a:endParaRPr lang="pt-PT"/>
+        </a:p>
+      </dgm:t>
+    </dgm:pt>
+    <dgm:pt modelId="{56D0047A-A60F-4FF3-868B-0BF5CEBBF6A1}" type="pres">
+      <dgm:prSet presAssocID="{64C9B0DB-2DD5-4729-A004-CFC5537BF5CC}" presName="theList" presStyleCnt="0">
+        <dgm:presLayoutVars>
+          <dgm:dir/>
+          <dgm:animLvl val="lvl"/>
+          <dgm:resizeHandles val="exact"/>
+        </dgm:presLayoutVars>
+      </dgm:prSet>
+      <dgm:spPr/>
+    </dgm:pt>
+    <dgm:pt modelId="{49031AAB-3D43-43F3-91B2-030435E1F667}" type="pres">
+      <dgm:prSet presAssocID="{6C2F4DE7-8AB2-407B-9DBB-077CD077658F}" presName="compNode" presStyleCnt="0"/>
+      <dgm:spPr/>
+    </dgm:pt>
+    <dgm:pt modelId="{CD94BF45-1311-4D85-AC53-36693D77CD7D}" type="pres">
+      <dgm:prSet presAssocID="{6C2F4DE7-8AB2-407B-9DBB-077CD077658F}" presName="aNode" presStyleLbl="bgShp" presStyleIdx="0" presStyleCnt="1" custLinFactNeighborY="-1481"/>
+      <dgm:spPr/>
+      <dgm:t>
+        <a:bodyPr/>
+        <a:lstStyle/>
+        <a:p>
+          <a:endParaRPr lang="pt-PT"/>
+        </a:p>
+      </dgm:t>
+    </dgm:pt>
+    <dgm:pt modelId="{9F49162E-1624-4B6E-9818-9718139BB813}" type="pres">
+      <dgm:prSet presAssocID="{6C2F4DE7-8AB2-407B-9DBB-077CD077658F}" presName="textNode" presStyleLbl="bgShp" presStyleIdx="0" presStyleCnt="1"/>
+      <dgm:spPr/>
+      <dgm:t>
+        <a:bodyPr/>
+        <a:lstStyle/>
+        <a:p>
+          <a:endParaRPr lang="pt-PT"/>
+        </a:p>
+      </dgm:t>
+    </dgm:pt>
+    <dgm:pt modelId="{54BA3F4E-4894-45F8-B605-369EB718E6D1}" type="pres">
+      <dgm:prSet presAssocID="{6C2F4DE7-8AB2-407B-9DBB-077CD077658F}" presName="compChildNode" presStyleCnt="0"/>
+      <dgm:spPr/>
+    </dgm:pt>
+    <dgm:pt modelId="{9283FE4C-90AE-4371-A35F-F1F001056C4A}" type="pres">
+      <dgm:prSet presAssocID="{6C2F4DE7-8AB2-407B-9DBB-077CD077658F}" presName="theInnerList" presStyleCnt="0"/>
+      <dgm:spPr/>
+    </dgm:pt>
+    <dgm:pt modelId="{2F217E37-A501-4456-AEA9-8AEE6DFAFBF7}" type="pres">
+      <dgm:prSet presAssocID="{D5A54D43-CC00-4236-8C0F-5BBE87C88E6D}" presName="childNode" presStyleLbl="node1" presStyleIdx="0" presStyleCnt="3" custScaleX="64297">
+        <dgm:presLayoutVars>
+          <dgm:bulletEnabled val="1"/>
+        </dgm:presLayoutVars>
+      </dgm:prSet>
+      <dgm:spPr/>
+      <dgm:t>
+        <a:bodyPr/>
+        <a:lstStyle/>
+        <a:p>
+          <a:endParaRPr lang="pt-PT"/>
+        </a:p>
+      </dgm:t>
+    </dgm:pt>
+    <dgm:pt modelId="{2669E6AC-9961-4B25-81EB-1DD5FBA347A5}" type="pres">
+      <dgm:prSet presAssocID="{D5A54D43-CC00-4236-8C0F-5BBE87C88E6D}" presName="aSpace2" presStyleCnt="0"/>
+      <dgm:spPr/>
+    </dgm:pt>
+    <dgm:pt modelId="{04F038D9-9BB6-4DD5-B4BC-E603C6DDCFD7}" type="pres">
+      <dgm:prSet presAssocID="{AE93F72A-61BD-462B-A37C-0A00CC4FE8D0}" presName="childNode" presStyleLbl="node1" presStyleIdx="1" presStyleCnt="3" custScaleX="64297">
+        <dgm:presLayoutVars>
+          <dgm:bulletEnabled val="1"/>
+        </dgm:presLayoutVars>
+      </dgm:prSet>
+      <dgm:spPr/>
+      <dgm:t>
+        <a:bodyPr/>
+        <a:lstStyle/>
+        <a:p>
+          <a:endParaRPr lang="pt-PT"/>
+        </a:p>
+      </dgm:t>
+    </dgm:pt>
+    <dgm:pt modelId="{8C82E63A-5229-408E-A8EE-9C827553D28E}" type="pres">
+      <dgm:prSet presAssocID="{AE93F72A-61BD-462B-A37C-0A00CC4FE8D0}" presName="aSpace2" presStyleCnt="0"/>
+      <dgm:spPr/>
+    </dgm:pt>
+    <dgm:pt modelId="{503AB127-7A4D-4A95-BC9D-4349EF2C9F69}" type="pres">
+      <dgm:prSet presAssocID="{EB4A4758-E585-4BA0-8B8B-0C072B3A70AF}" presName="childNode" presStyleLbl="node1" presStyleIdx="2" presStyleCnt="3" custScaleX="61901">
+        <dgm:presLayoutVars>
+          <dgm:bulletEnabled val="1"/>
+        </dgm:presLayoutVars>
+      </dgm:prSet>
+      <dgm:spPr/>
+      <dgm:t>
+        <a:bodyPr/>
+        <a:lstStyle/>
+        <a:p>
+          <a:endParaRPr lang="pt-PT"/>
+        </a:p>
+      </dgm:t>
+    </dgm:pt>
+  </dgm:ptLst>
+  <dgm:cxnLst>
+    <dgm:cxn modelId="{4627F6E4-53C9-4A45-B645-998BDBA5E96B}" srcId="{6C2F4DE7-8AB2-407B-9DBB-077CD077658F}" destId="{D5A54D43-CC00-4236-8C0F-5BBE87C88E6D}" srcOrd="0" destOrd="0" parTransId="{CF2E54D8-C26E-4E89-BE30-4FCB8B59EB0C}" sibTransId="{2E50E0C2-F42C-4C50-A365-E95DC5331DBE}"/>
+    <dgm:cxn modelId="{2245E8C8-51BC-420C-9E53-5AE8813473EC}" type="presOf" srcId="{6C2F4DE7-8AB2-407B-9DBB-077CD077658F}" destId="{CD94BF45-1311-4D85-AC53-36693D77CD7D}" srcOrd="0" destOrd="0" presId="urn:microsoft.com/office/officeart/2005/8/layout/lProcess2"/>
+    <dgm:cxn modelId="{0C9F76ED-644B-4F20-BFBF-9BA8DEE4F110}" srcId="{6C2F4DE7-8AB2-407B-9DBB-077CD077658F}" destId="{AE93F72A-61BD-462B-A37C-0A00CC4FE8D0}" srcOrd="1" destOrd="0" parTransId="{FE14957B-6369-4034-A6BB-652FD4B32842}" sibTransId="{D1C8B73F-948D-4791-A046-8E28A6F0221D}"/>
+    <dgm:cxn modelId="{9E1788AC-79EF-490F-8E4B-4E0B57F428D0}" srcId="{64C9B0DB-2DD5-4729-A004-CFC5537BF5CC}" destId="{6C2F4DE7-8AB2-407B-9DBB-077CD077658F}" srcOrd="0" destOrd="0" parTransId="{6FFEC69C-4CCB-467C-8241-72D0AD724B66}" sibTransId="{E38F1A91-3193-45B3-88F8-7470961B54B1}"/>
+    <dgm:cxn modelId="{DDD326F5-3E0B-4F52-A3B1-895473998D28}" type="presOf" srcId="{D5A54D43-CC00-4236-8C0F-5BBE87C88E6D}" destId="{2F217E37-A501-4456-AEA9-8AEE6DFAFBF7}" srcOrd="0" destOrd="0" presId="urn:microsoft.com/office/officeart/2005/8/layout/lProcess2"/>
+    <dgm:cxn modelId="{F0F8E05C-484E-43BE-92C3-910320E25179}" type="presOf" srcId="{64C9B0DB-2DD5-4729-A004-CFC5537BF5CC}" destId="{56D0047A-A60F-4FF3-868B-0BF5CEBBF6A1}" srcOrd="0" destOrd="0" presId="urn:microsoft.com/office/officeart/2005/8/layout/lProcess2"/>
+    <dgm:cxn modelId="{8C00D42D-D631-4CD6-A0AE-9ADE9A0F0586}" type="presOf" srcId="{EB4A4758-E585-4BA0-8B8B-0C072B3A70AF}" destId="{503AB127-7A4D-4A95-BC9D-4349EF2C9F69}" srcOrd="0" destOrd="0" presId="urn:microsoft.com/office/officeart/2005/8/layout/lProcess2"/>
+    <dgm:cxn modelId="{5E53ADDC-8C3C-4676-9910-957F73739E6D}" srcId="{6C2F4DE7-8AB2-407B-9DBB-077CD077658F}" destId="{EB4A4758-E585-4BA0-8B8B-0C072B3A70AF}" srcOrd="2" destOrd="0" parTransId="{92033C2E-18EB-4F20-AD25-F7406726AB58}" sibTransId="{0818F253-7D13-41F4-BF3F-8D8F4426C214}"/>
+    <dgm:cxn modelId="{BE44BD18-A275-4EA6-8332-DFDD06272011}" type="presOf" srcId="{6C2F4DE7-8AB2-407B-9DBB-077CD077658F}" destId="{9F49162E-1624-4B6E-9818-9718139BB813}" srcOrd="1" destOrd="0" presId="urn:microsoft.com/office/officeart/2005/8/layout/lProcess2"/>
+    <dgm:cxn modelId="{42F90022-613E-4E1A-8E42-4BBFEE6AA58C}" type="presOf" srcId="{AE93F72A-61BD-462B-A37C-0A00CC4FE8D0}" destId="{04F038D9-9BB6-4DD5-B4BC-E603C6DDCFD7}" srcOrd="0" destOrd="0" presId="urn:microsoft.com/office/officeart/2005/8/layout/lProcess2"/>
+    <dgm:cxn modelId="{D505A19F-684F-4388-90BC-1447AE3AB713}" type="presParOf" srcId="{56D0047A-A60F-4FF3-868B-0BF5CEBBF6A1}" destId="{49031AAB-3D43-43F3-91B2-030435E1F667}" srcOrd="0" destOrd="0" presId="urn:microsoft.com/office/officeart/2005/8/layout/lProcess2"/>
+    <dgm:cxn modelId="{AE998871-0038-4BB2-99E5-D83D2D5CBB69}" type="presParOf" srcId="{49031AAB-3D43-43F3-91B2-030435E1F667}" destId="{CD94BF45-1311-4D85-AC53-36693D77CD7D}" srcOrd="0" destOrd="0" presId="urn:microsoft.com/office/officeart/2005/8/layout/lProcess2"/>
+    <dgm:cxn modelId="{42E78943-253C-4779-8B00-1124F71BFA25}" type="presParOf" srcId="{49031AAB-3D43-43F3-91B2-030435E1F667}" destId="{9F49162E-1624-4B6E-9818-9718139BB813}" srcOrd="1" destOrd="0" presId="urn:microsoft.com/office/officeart/2005/8/layout/lProcess2"/>
+    <dgm:cxn modelId="{49C22ADC-6D8A-4125-86DD-68584EA2D2D8}" type="presParOf" srcId="{49031AAB-3D43-43F3-91B2-030435E1F667}" destId="{54BA3F4E-4894-45F8-B605-369EB718E6D1}" srcOrd="2" destOrd="0" presId="urn:microsoft.com/office/officeart/2005/8/layout/lProcess2"/>
+    <dgm:cxn modelId="{C59B98BE-8971-43A0-AF15-B53E5CE70450}" type="presParOf" srcId="{54BA3F4E-4894-45F8-B605-369EB718E6D1}" destId="{9283FE4C-90AE-4371-A35F-F1F001056C4A}" srcOrd="0" destOrd="0" presId="urn:microsoft.com/office/officeart/2005/8/layout/lProcess2"/>
+    <dgm:cxn modelId="{E674DA8B-14F7-4075-9651-9C0DE041B534}" type="presParOf" srcId="{9283FE4C-90AE-4371-A35F-F1F001056C4A}" destId="{2F217E37-A501-4456-AEA9-8AEE6DFAFBF7}" srcOrd="0" destOrd="0" presId="urn:microsoft.com/office/officeart/2005/8/layout/lProcess2"/>
+    <dgm:cxn modelId="{6C5B8E48-B0EC-483F-93B7-B73BB9521C17}" type="presParOf" srcId="{9283FE4C-90AE-4371-A35F-F1F001056C4A}" destId="{2669E6AC-9961-4B25-81EB-1DD5FBA347A5}" srcOrd="1" destOrd="0" presId="urn:microsoft.com/office/officeart/2005/8/layout/lProcess2"/>
+    <dgm:cxn modelId="{4A1C90C4-6AE9-4993-94A7-711E3D541CB5}" type="presParOf" srcId="{9283FE4C-90AE-4371-A35F-F1F001056C4A}" destId="{04F038D9-9BB6-4DD5-B4BC-E603C6DDCFD7}" srcOrd="2" destOrd="0" presId="urn:microsoft.com/office/officeart/2005/8/layout/lProcess2"/>
+    <dgm:cxn modelId="{23260CA9-AF0F-42FA-984D-F034D204C73A}" type="presParOf" srcId="{9283FE4C-90AE-4371-A35F-F1F001056C4A}" destId="{8C82E63A-5229-408E-A8EE-9C827553D28E}" srcOrd="3" destOrd="0" presId="urn:microsoft.com/office/officeart/2005/8/layout/lProcess2"/>
+    <dgm:cxn modelId="{DADAAE14-9664-4E31-A926-3866AC6B5E7E}" type="presParOf" srcId="{9283FE4C-90AE-4371-A35F-F1F001056C4A}" destId="{503AB127-7A4D-4A95-BC9D-4349EF2C9F69}" srcOrd="4" destOrd="0" presId="urn:microsoft.com/office/officeart/2005/8/layout/lProcess2"/>
+  </dgm:cxnLst>
+  <dgm:bg/>
+  <dgm:whole/>
+  <dgm:extLst>
+    <a:ext uri="http://schemas.microsoft.com/office/drawing/2008/diagram">
+      <dsp:dataModelExt xmlns:dsp="http://schemas.microsoft.com/office/drawing/2008/diagram" relId="rId6" minVer="http://schemas.openxmlformats.org/drawingml/2006/diagram"/>
+    </a:ext>
+  </dgm:extLst>
+</dgm:dataModel>
+</file>
+
+<file path=ppt/diagrams/data2.xml><?xml version="1.0" encoding="utf-8"?>
 <dgm:dataModel xmlns:dgm="http://schemas.openxmlformats.org/drawingml/2006/diagram" xmlns:a="http://schemas.openxmlformats.org/drawingml/2006/main">
   <dgm:ptLst>
     <dgm:pt modelId="{B5CBD348-F814-4BD0-9184-E2D985DD8802}" type="doc">
@@ -878,6 +1987,14 @@
             <a:lumOff val="80000"/>
           </a:schemeClr>
         </a:solidFill>
+        <a:ln>
+          <a:solidFill>
+            <a:schemeClr val="accent1">
+              <a:lumMod val="60000"/>
+              <a:lumOff val="40000"/>
+            </a:schemeClr>
+          </a:solidFill>
+        </a:ln>
       </dgm:spPr>
       <dgm:t>
         <a:bodyPr/>
@@ -930,6 +2047,14 @@
             <a:lumOff val="60000"/>
           </a:schemeClr>
         </a:solidFill>
+        <a:ln>
+          <a:solidFill>
+            <a:schemeClr val="accent1">
+              <a:lumMod val="60000"/>
+              <a:lumOff val="40000"/>
+            </a:schemeClr>
+          </a:solidFill>
+        </a:ln>
       </dgm:spPr>
       <dgm:t>
         <a:bodyPr/>
@@ -938,14 +2063,14 @@
           <a:r>
             <a:rPr lang="pt-PT" b="1" dirty="0" smtClean="0">
               <a:solidFill>
-                <a:schemeClr val="bg1"/>
+                <a:schemeClr val="tx1"/>
               </a:solidFill>
             </a:rPr>
             <a:t>All Routes Registration</a:t>
           </a:r>
           <a:endParaRPr lang="pt-PT" b="1" dirty="0">
             <a:solidFill>
-              <a:schemeClr val="bg1"/>
+              <a:schemeClr val="tx1"/>
             </a:solidFill>
           </a:endParaRPr>
         </a:p>
@@ -982,6 +2107,14 @@
             <a:lumOff val="40000"/>
           </a:schemeClr>
         </a:solidFill>
+        <a:ln>
+          <a:solidFill>
+            <a:schemeClr val="accent1">
+              <a:lumMod val="60000"/>
+              <a:lumOff val="40000"/>
+            </a:schemeClr>
+          </a:solidFill>
+        </a:ln>
       </dgm:spPr>
       <dgm:t>
         <a:bodyPr/>
@@ -990,14 +2123,14 @@
           <a:r>
             <a:rPr lang="pt-PT" b="1" dirty="0" smtClean="0">
               <a:solidFill>
-                <a:schemeClr val="bg1"/>
+                <a:schemeClr val="tx1"/>
               </a:solidFill>
             </a:rPr>
             <a:t>Modules Routes</a:t>
           </a:r>
           <a:endParaRPr lang="pt-PT" b="1" dirty="0">
             <a:solidFill>
-              <a:schemeClr val="bg1"/>
+              <a:schemeClr val="tx1"/>
             </a:solidFill>
           </a:endParaRPr>
         </a:p>
@@ -1035,9 +2168,9 @@
         </a:solidFill>
         <a:ln>
           <a:solidFill>
-            <a:schemeClr val="accent6">
-              <a:lumMod val="20000"/>
-              <a:lumOff val="80000"/>
+            <a:schemeClr val="accent1">
+              <a:lumMod val="60000"/>
+              <a:lumOff val="40000"/>
             </a:schemeClr>
           </a:solidFill>
         </a:ln>
@@ -1049,14 +2182,14 @@
           <a:r>
             <a:rPr lang="pt-PT" b="1" dirty="0" smtClean="0">
               <a:solidFill>
-                <a:schemeClr val="bg1"/>
+                <a:schemeClr val="tx1"/>
               </a:solidFill>
             </a:rPr>
             <a:t>Controllers Routes</a:t>
           </a:r>
           <a:endParaRPr lang="pt-PT" b="1" dirty="0">
             <a:solidFill>
-              <a:schemeClr val="bg1"/>
+              <a:schemeClr val="tx1"/>
             </a:solidFill>
           </a:endParaRPr>
         </a:p>
@@ -1092,6 +2225,13 @@
         </dgm:presLayoutVars>
       </dgm:prSet>
       <dgm:spPr/>
+      <dgm:t>
+        <a:bodyPr/>
+        <a:lstStyle/>
+        <a:p>
+          <a:endParaRPr lang="pt-PT"/>
+        </a:p>
+      </dgm:t>
     </dgm:pt>
     <dgm:pt modelId="{E074A24D-CD91-4610-95E9-0406CD073412}" type="pres">
       <dgm:prSet presAssocID="{B5CBD348-F814-4BD0-9184-E2D985DD8802}" presName="comp1" presStyleCnt="0"/>
@@ -1100,6 +2240,13 @@
     <dgm:pt modelId="{4B82D2F3-887B-4F8E-B204-D9148E3CBC7F}" type="pres">
       <dgm:prSet presAssocID="{B5CBD348-F814-4BD0-9184-E2D985DD8802}" presName="circle1" presStyleLbl="node1" presStyleIdx="0" presStyleCnt="4"/>
       <dgm:spPr/>
+      <dgm:t>
+        <a:bodyPr/>
+        <a:lstStyle/>
+        <a:p>
+          <a:endParaRPr lang="pt-PT"/>
+        </a:p>
+      </dgm:t>
     </dgm:pt>
     <dgm:pt modelId="{E7C24936-E8EA-4E41-B715-CAF9848FFDA6}" type="pres">
       <dgm:prSet presAssocID="{B5CBD348-F814-4BD0-9184-E2D985DD8802}" presName="c1text" presStyleLbl="node1" presStyleIdx="0" presStyleCnt="4">
@@ -1108,6 +2255,13 @@
         </dgm:presLayoutVars>
       </dgm:prSet>
       <dgm:spPr/>
+      <dgm:t>
+        <a:bodyPr/>
+        <a:lstStyle/>
+        <a:p>
+          <a:endParaRPr lang="pt-PT"/>
+        </a:p>
+      </dgm:t>
     </dgm:pt>
     <dgm:pt modelId="{29307220-6D40-4EB2-8EEA-807C273466F4}" type="pres">
       <dgm:prSet presAssocID="{B5CBD348-F814-4BD0-9184-E2D985DD8802}" presName="comp2" presStyleCnt="0"/>
@@ -1176,6 +2330,13 @@
     <dgm:pt modelId="{6EA3FE7C-4AA4-4BE7-8230-99EE2F9785E2}" type="pres">
       <dgm:prSet presAssocID="{B5CBD348-F814-4BD0-9184-E2D985DD8802}" presName="circle4" presStyleLbl="node1" presStyleIdx="3" presStyleCnt="4"/>
       <dgm:spPr/>
+      <dgm:t>
+        <a:bodyPr/>
+        <a:lstStyle/>
+        <a:p>
+          <a:endParaRPr lang="pt-PT"/>
+        </a:p>
+      </dgm:t>
     </dgm:pt>
     <dgm:pt modelId="{34D903AF-0220-425D-B720-2635B3AE65D1}" type="pres">
       <dgm:prSet presAssocID="{B5CBD348-F814-4BD0-9184-E2D985DD8802}" presName="c4text" presStyleLbl="node1" presStyleIdx="3" presStyleCnt="4">
@@ -1184,6 +2345,13 @@
         </dgm:presLayoutVars>
       </dgm:prSet>
       <dgm:spPr/>
+      <dgm:t>
+        <a:bodyPr/>
+        <a:lstStyle/>
+        <a:p>
+          <a:endParaRPr lang="pt-PT"/>
+        </a:p>
+      </dgm:t>
     </dgm:pt>
   </dgm:ptLst>
   <dgm:cxnLst>
@@ -1192,8 +2360,8 @@
     <dgm:cxn modelId="{4130208B-E634-42FA-BDF6-A3670832E9AC}" type="presOf" srcId="{60EE8BDF-86B5-480A-BE7A-B048E1DED7D4}" destId="{679CAD31-E71B-4140-8363-7C68D12F7121}" srcOrd="1" destOrd="0" presId="urn:microsoft.com/office/officeart/2005/8/layout/venn2"/>
     <dgm:cxn modelId="{00CF2F33-CDCF-444C-BCA8-CBCA940F0B30}" type="presOf" srcId="{60EE8BDF-86B5-480A-BE7A-B048E1DED7D4}" destId="{7542A6FF-A269-438E-8011-7CE500AA66C5}" srcOrd="0" destOrd="0" presId="urn:microsoft.com/office/officeart/2005/8/layout/venn2"/>
     <dgm:cxn modelId="{A8308104-6CAD-4234-8307-7F1286A6DA9A}" srcId="{B5CBD348-F814-4BD0-9184-E2D985DD8802}" destId="{60EE8BDF-86B5-480A-BE7A-B048E1DED7D4}" srcOrd="2" destOrd="0" parTransId="{7A8E7263-4CB4-4562-9DE1-16AB91DB7B1E}" sibTransId="{D1ADD13E-9287-48F4-91F6-02A7E0A86112}"/>
+    <dgm:cxn modelId="{246C4A3E-F2CB-41ED-B35A-34C72AE2908A}" type="presOf" srcId="{B5CBD348-F814-4BD0-9184-E2D985DD8802}" destId="{D1957D70-C2ED-429D-9DA0-0C3B04967E1A}" srcOrd="0" destOrd="0" presId="urn:microsoft.com/office/officeart/2005/8/layout/venn2"/>
     <dgm:cxn modelId="{54FC7805-F26F-4F66-B95E-B9B4F73E3733}" type="presOf" srcId="{D3E2E721-396C-4D14-BD1B-ED6B1A4B96E6}" destId="{34D903AF-0220-425D-B720-2635B3AE65D1}" srcOrd="1" destOrd="0" presId="urn:microsoft.com/office/officeart/2005/8/layout/venn2"/>
-    <dgm:cxn modelId="{246C4A3E-F2CB-41ED-B35A-34C72AE2908A}" type="presOf" srcId="{B5CBD348-F814-4BD0-9184-E2D985DD8802}" destId="{D1957D70-C2ED-429D-9DA0-0C3B04967E1A}" srcOrd="0" destOrd="0" presId="urn:microsoft.com/office/officeart/2005/8/layout/venn2"/>
     <dgm:cxn modelId="{43F69FC2-7E28-4F75-B77B-132B3477E54A}" type="presOf" srcId="{2095B7B7-15BD-4EDE-9F72-456528C117B1}" destId="{7DC70F69-336F-4AFC-B747-34ACCA5D3B9C}" srcOrd="1" destOrd="0" presId="urn:microsoft.com/office/officeart/2005/8/layout/venn2"/>
     <dgm:cxn modelId="{E64274F6-A1D9-4F8D-91B5-51EE50087D9A}" type="presOf" srcId="{D3E2E721-396C-4D14-BD1B-ED6B1A4B96E6}" destId="{6EA3FE7C-4AA4-4BE7-8230-99EE2F9785E2}" srcOrd="0" destOrd="0" presId="urn:microsoft.com/office/officeart/2005/8/layout/venn2"/>
     <dgm:cxn modelId="{E6AA45A8-1EF3-4940-87E0-03100DCB6F1D}" type="presOf" srcId="{14BDD5FA-6033-4CEB-A37B-F8957B8DC63C}" destId="{4B82D2F3-887B-4F8E-B204-D9148E3CBC7F}" srcOrd="0" destOrd="0" presId="urn:microsoft.com/office/officeart/2005/8/layout/venn2"/>
@@ -1231,6 +2399,316 @@
       <dsp:cNvGrpSpPr/>
     </dsp:nvGrpSpPr>
     <dsp:grpSpPr/>
+    <dsp:sp modelId="{CD94BF45-1311-4D85-AC53-36693D77CD7D}">
+      <dsp:nvSpPr>
+        <dsp:cNvPr id="0" name=""/>
+        <dsp:cNvSpPr/>
+      </dsp:nvSpPr>
+      <dsp:spPr>
+        <a:xfrm>
+          <a:off x="0" y="0"/>
+          <a:ext cx="4279900" cy="5016500"/>
+        </a:xfrm>
+        <a:prstGeom prst="roundRect">
+          <a:avLst>
+            <a:gd name="adj" fmla="val 10000"/>
+          </a:avLst>
+        </a:prstGeom>
+        <a:solidFill>
+          <a:schemeClr val="accent6">
+            <a:lumMod val="20000"/>
+            <a:lumOff val="80000"/>
+          </a:schemeClr>
+        </a:solidFill>
+        <a:ln w="12700" cap="flat" cmpd="sng" algn="ctr">
+          <a:solidFill>
+            <a:schemeClr val="accent1"/>
+          </a:solidFill>
+          <a:prstDash val="solid"/>
+          <a:miter lim="800000"/>
+        </a:ln>
+        <a:effectLst/>
+      </dsp:spPr>
+      <dsp:style>
+        <a:lnRef idx="2">
+          <a:schemeClr val="accent1"/>
+        </a:lnRef>
+        <a:fillRef idx="1">
+          <a:schemeClr val="lt1"/>
+        </a:fillRef>
+        <a:effectRef idx="0">
+          <a:schemeClr val="accent1"/>
+        </a:effectRef>
+        <a:fontRef idx="minor">
+          <a:schemeClr val="dk1"/>
+        </a:fontRef>
+      </dsp:style>
+      <dsp:txBody>
+        <a:bodyPr spcFirstLastPara="0" vert="horz" wrap="square" lIns="205740" tIns="205740" rIns="205740" bIns="205740" numCol="1" spcCol="1270" anchor="ctr" anchorCtr="0">
+          <a:noAutofit/>
+        </a:bodyPr>
+        <a:lstStyle/>
+        <a:p>
+          <a:pPr lvl="0" algn="ctr" defTabSz="2400300">
+            <a:lnSpc>
+              <a:spcPct val="90000"/>
+            </a:lnSpc>
+            <a:spcBef>
+              <a:spcPct val="0"/>
+            </a:spcBef>
+            <a:spcAft>
+              <a:spcPct val="35000"/>
+            </a:spcAft>
+          </a:pPr>
+          <a:r>
+            <a:rPr lang="pt-PT" sz="5400" b="1" kern="1200" dirty="0" smtClean="0"/>
+            <a:t>Software</a:t>
+          </a:r>
+          <a:endParaRPr lang="pt-PT" sz="5400" b="1" kern="1200" dirty="0"/>
+        </a:p>
+      </dsp:txBody>
+      <dsp:txXfrm>
+        <a:off x="0" y="0"/>
+        <a:ext cx="4279900" cy="1504950"/>
+      </dsp:txXfrm>
+    </dsp:sp>
+    <dsp:sp modelId="{2F217E37-A501-4456-AEA9-8AEE6DFAFBF7}">
+      <dsp:nvSpPr>
+        <dsp:cNvPr id="0" name=""/>
+        <dsp:cNvSpPr/>
+      </dsp:nvSpPr>
+      <dsp:spPr>
+        <a:xfrm>
+          <a:off x="1039211" y="1505378"/>
+          <a:ext cx="2201477" cy="985541"/>
+        </a:xfrm>
+        <a:prstGeom prst="roundRect">
+          <a:avLst>
+            <a:gd name="adj" fmla="val 10000"/>
+          </a:avLst>
+        </a:prstGeom>
+        <a:solidFill>
+          <a:schemeClr val="accent6">
+            <a:lumMod val="75000"/>
+          </a:schemeClr>
+        </a:solidFill>
+        <a:ln w="12700" cap="flat" cmpd="sng" algn="ctr">
+          <a:solidFill>
+            <a:schemeClr val="accent1">
+              <a:lumMod val="60000"/>
+              <a:lumOff val="40000"/>
+            </a:schemeClr>
+          </a:solidFill>
+          <a:prstDash val="solid"/>
+          <a:miter lim="800000"/>
+        </a:ln>
+        <a:effectLst/>
+      </dsp:spPr>
+      <dsp:style>
+        <a:lnRef idx="2">
+          <a:scrgbClr r="0" g="0" b="0"/>
+        </a:lnRef>
+        <a:fillRef idx="1">
+          <a:scrgbClr r="0" g="0" b="0"/>
+        </a:fillRef>
+        <a:effectRef idx="0">
+          <a:scrgbClr r="0" g="0" b="0"/>
+        </a:effectRef>
+        <a:fontRef idx="minor">
+          <a:schemeClr val="lt1"/>
+        </a:fontRef>
+      </dsp:style>
+      <dsp:txBody>
+        <a:bodyPr spcFirstLastPara="0" vert="horz" wrap="square" lIns="71120" tIns="53340" rIns="71120" bIns="53340" numCol="1" spcCol="1270" anchor="ctr" anchorCtr="0">
+          <a:noAutofit/>
+        </a:bodyPr>
+        <a:lstStyle/>
+        <a:p>
+          <a:pPr lvl="0" algn="ctr" defTabSz="1244600">
+            <a:lnSpc>
+              <a:spcPct val="90000"/>
+            </a:lnSpc>
+            <a:spcBef>
+              <a:spcPct val="0"/>
+            </a:spcBef>
+            <a:spcAft>
+              <a:spcPct val="35000"/>
+            </a:spcAft>
+          </a:pPr>
+          <a:r>
+            <a:rPr lang="pt-PT" sz="2800" kern="1200" dirty="0" smtClean="0"/>
+            <a:t>Module A</a:t>
+          </a:r>
+          <a:endParaRPr lang="pt-PT" sz="2800" kern="1200" dirty="0"/>
+        </a:p>
+      </dsp:txBody>
+      <dsp:txXfrm>
+        <a:off x="1068077" y="1534244"/>
+        <a:ext cx="2143745" cy="927809"/>
+      </dsp:txXfrm>
+    </dsp:sp>
+    <dsp:sp modelId="{04F038D9-9BB6-4DD5-B4BC-E603C6DDCFD7}">
+      <dsp:nvSpPr>
+        <dsp:cNvPr id="0" name=""/>
+        <dsp:cNvSpPr/>
+      </dsp:nvSpPr>
+      <dsp:spPr>
+        <a:xfrm>
+          <a:off x="1039211" y="2642541"/>
+          <a:ext cx="2201477" cy="985541"/>
+        </a:xfrm>
+        <a:prstGeom prst="roundRect">
+          <a:avLst>
+            <a:gd name="adj" fmla="val 10000"/>
+          </a:avLst>
+        </a:prstGeom>
+        <a:solidFill>
+          <a:schemeClr val="accent6">
+            <a:lumMod val="75000"/>
+          </a:schemeClr>
+        </a:solidFill>
+        <a:ln w="12700" cap="flat" cmpd="sng" algn="ctr">
+          <a:solidFill>
+            <a:schemeClr val="accent1">
+              <a:lumMod val="60000"/>
+              <a:lumOff val="40000"/>
+            </a:schemeClr>
+          </a:solidFill>
+          <a:prstDash val="solid"/>
+          <a:miter lim="800000"/>
+        </a:ln>
+        <a:effectLst/>
+      </dsp:spPr>
+      <dsp:style>
+        <a:lnRef idx="2">
+          <a:scrgbClr r="0" g="0" b="0"/>
+        </a:lnRef>
+        <a:fillRef idx="1">
+          <a:scrgbClr r="0" g="0" b="0"/>
+        </a:fillRef>
+        <a:effectRef idx="0">
+          <a:scrgbClr r="0" g="0" b="0"/>
+        </a:effectRef>
+        <a:fontRef idx="minor">
+          <a:schemeClr val="lt1"/>
+        </a:fontRef>
+      </dsp:style>
+      <dsp:txBody>
+        <a:bodyPr spcFirstLastPara="0" vert="horz" wrap="square" lIns="71120" tIns="53340" rIns="71120" bIns="53340" numCol="1" spcCol="1270" anchor="ctr" anchorCtr="0">
+          <a:noAutofit/>
+        </a:bodyPr>
+        <a:lstStyle/>
+        <a:p>
+          <a:pPr lvl="0" algn="ctr" defTabSz="1244600">
+            <a:lnSpc>
+              <a:spcPct val="90000"/>
+            </a:lnSpc>
+            <a:spcBef>
+              <a:spcPct val="0"/>
+            </a:spcBef>
+            <a:spcAft>
+              <a:spcPct val="35000"/>
+            </a:spcAft>
+          </a:pPr>
+          <a:r>
+            <a:rPr lang="pt-PT" sz="2800" kern="1200" dirty="0" smtClean="0"/>
+            <a:t>Module B</a:t>
+          </a:r>
+          <a:endParaRPr lang="pt-PT" sz="2800" kern="1200" dirty="0"/>
+        </a:p>
+      </dsp:txBody>
+      <dsp:txXfrm>
+        <a:off x="1068077" y="2671407"/>
+        <a:ext cx="2143745" cy="927809"/>
+      </dsp:txXfrm>
+    </dsp:sp>
+    <dsp:sp modelId="{503AB127-7A4D-4A95-BC9D-4349EF2C9F69}">
+      <dsp:nvSpPr>
+        <dsp:cNvPr id="0" name=""/>
+        <dsp:cNvSpPr/>
+      </dsp:nvSpPr>
+      <dsp:spPr>
+        <a:xfrm>
+          <a:off x="1080229" y="3779704"/>
+          <a:ext cx="2119440" cy="985541"/>
+        </a:xfrm>
+        <a:prstGeom prst="roundRect">
+          <a:avLst>
+            <a:gd name="adj" fmla="val 10000"/>
+          </a:avLst>
+        </a:prstGeom>
+        <a:solidFill>
+          <a:schemeClr val="accent6">
+            <a:lumMod val="75000"/>
+          </a:schemeClr>
+        </a:solidFill>
+        <a:ln w="12700" cap="flat" cmpd="sng" algn="ctr">
+          <a:solidFill>
+            <a:schemeClr val="accent1">
+              <a:lumMod val="60000"/>
+              <a:lumOff val="40000"/>
+            </a:schemeClr>
+          </a:solidFill>
+          <a:prstDash val="solid"/>
+          <a:miter lim="800000"/>
+        </a:ln>
+        <a:effectLst/>
+      </dsp:spPr>
+      <dsp:style>
+        <a:lnRef idx="2">
+          <a:scrgbClr r="0" g="0" b="0"/>
+        </a:lnRef>
+        <a:fillRef idx="1">
+          <a:scrgbClr r="0" g="0" b="0"/>
+        </a:fillRef>
+        <a:effectRef idx="0">
+          <a:scrgbClr r="0" g="0" b="0"/>
+        </a:effectRef>
+        <a:fontRef idx="minor">
+          <a:schemeClr val="lt1"/>
+        </a:fontRef>
+      </dsp:style>
+      <dsp:txBody>
+        <a:bodyPr spcFirstLastPara="0" vert="horz" wrap="square" lIns="71120" tIns="53340" rIns="71120" bIns="53340" numCol="1" spcCol="1270" anchor="ctr" anchorCtr="0">
+          <a:noAutofit/>
+        </a:bodyPr>
+        <a:lstStyle/>
+        <a:p>
+          <a:pPr lvl="0" algn="ctr" defTabSz="1244600">
+            <a:lnSpc>
+              <a:spcPct val="90000"/>
+            </a:lnSpc>
+            <a:spcBef>
+              <a:spcPct val="0"/>
+            </a:spcBef>
+            <a:spcAft>
+              <a:spcPct val="35000"/>
+            </a:spcAft>
+          </a:pPr>
+          <a:r>
+            <a:rPr lang="pt-PT" sz="2800" kern="1200" dirty="0" smtClean="0"/>
+            <a:t>Module X</a:t>
+          </a:r>
+          <a:endParaRPr lang="pt-PT" sz="2800" kern="1200" dirty="0"/>
+        </a:p>
+      </dsp:txBody>
+      <dsp:txXfrm>
+        <a:off x="1109095" y="3808570"/>
+        <a:ext cx="2061708" cy="927809"/>
+      </dsp:txXfrm>
+    </dsp:sp>
+  </dsp:spTree>
+</dsp:drawing>
+</file>
+
+<file path=ppt/diagrams/drawing2.xml><?xml version="1.0" encoding="utf-8"?>
+<dsp:drawing xmlns:dgm="http://schemas.openxmlformats.org/drawingml/2006/diagram" xmlns:dsp="http://schemas.microsoft.com/office/drawing/2008/diagram" xmlns:a="http://schemas.openxmlformats.org/drawingml/2006/main">
+  <dsp:spTree>
+    <dsp:nvGrpSpPr>
+      <dsp:cNvPr id="0" name=""/>
+      <dsp:cNvGrpSpPr/>
+    </dsp:nvGrpSpPr>
+    <dsp:grpSpPr/>
     <dsp:sp modelId="{4B82D2F3-887B-4F8E-B204-D9148E3CBC7F}">
       <dsp:nvSpPr>
         <dsp:cNvPr id="0" name=""/>
@@ -1252,11 +2730,9 @@
         </a:solidFill>
         <a:ln w="12700" cap="flat" cmpd="sng" algn="ctr">
           <a:solidFill>
-            <a:schemeClr val="lt1">
-              <a:hueOff val="0"/>
-              <a:satOff val="0"/>
-              <a:lumOff val="0"/>
-              <a:alphaOff val="0"/>
+            <a:schemeClr val="accent1">
+              <a:lumMod val="60000"/>
+              <a:lumOff val="40000"/>
             </a:schemeClr>
           </a:solidFill>
           <a:prstDash val="solid"/>
@@ -1336,11 +2812,9 @@
         </a:solidFill>
         <a:ln w="12700" cap="flat" cmpd="sng" algn="ctr">
           <a:solidFill>
-            <a:schemeClr val="lt1">
-              <a:hueOff val="0"/>
-              <a:satOff val="0"/>
-              <a:lumOff val="0"/>
-              <a:alphaOff val="0"/>
+            <a:schemeClr val="accent1">
+              <a:lumMod val="60000"/>
+              <a:lumOff val="40000"/>
             </a:schemeClr>
           </a:solidFill>
           <a:prstDash val="solid"/>
@@ -1382,14 +2856,14 @@
           <a:r>
             <a:rPr lang="pt-PT" sz="1600" b="1" kern="1200" dirty="0" smtClean="0">
               <a:solidFill>
-                <a:schemeClr val="bg1"/>
+                <a:schemeClr val="tx1"/>
               </a:solidFill>
             </a:rPr>
             <a:t>All Routes Registration</a:t>
           </a:r>
           <a:endParaRPr lang="pt-PT" sz="1600" b="1" kern="1200" dirty="0">
             <a:solidFill>
-              <a:schemeClr val="bg1"/>
+              <a:schemeClr val="tx1"/>
             </a:solidFill>
           </a:endParaRPr>
         </a:p>
@@ -1420,11 +2894,9 @@
         </a:solidFill>
         <a:ln w="12700" cap="flat" cmpd="sng" algn="ctr">
           <a:solidFill>
-            <a:schemeClr val="lt1">
-              <a:hueOff val="0"/>
-              <a:satOff val="0"/>
-              <a:lumOff val="0"/>
-              <a:alphaOff val="0"/>
+            <a:schemeClr val="accent1">
+              <a:lumMod val="60000"/>
+              <a:lumOff val="40000"/>
             </a:schemeClr>
           </a:solidFill>
           <a:prstDash val="solid"/>
@@ -1466,14 +2938,14 @@
           <a:r>
             <a:rPr lang="pt-PT" sz="1600" b="1" kern="1200" dirty="0" smtClean="0">
               <a:solidFill>
-                <a:schemeClr val="bg1"/>
+                <a:schemeClr val="tx1"/>
               </a:solidFill>
             </a:rPr>
             <a:t>Modules Routes</a:t>
           </a:r>
           <a:endParaRPr lang="pt-PT" sz="1600" b="1" kern="1200" dirty="0">
             <a:solidFill>
-              <a:schemeClr val="bg1"/>
+              <a:schemeClr val="tx1"/>
             </a:solidFill>
           </a:endParaRPr>
         </a:p>
@@ -1503,9 +2975,9 @@
         </a:solidFill>
         <a:ln w="12700" cap="flat" cmpd="sng" algn="ctr">
           <a:solidFill>
-            <a:schemeClr val="accent6">
-              <a:lumMod val="20000"/>
-              <a:lumOff val="80000"/>
+            <a:schemeClr val="accent1">
+              <a:lumMod val="60000"/>
+              <a:lumOff val="40000"/>
             </a:schemeClr>
           </a:solidFill>
           <a:prstDash val="solid"/>
@@ -1547,14 +3019,14 @@
           <a:r>
             <a:rPr lang="pt-PT" sz="1600" b="1" kern="1200" dirty="0" smtClean="0">
               <a:solidFill>
-                <a:schemeClr val="bg1"/>
+                <a:schemeClr val="tx1"/>
               </a:solidFill>
             </a:rPr>
             <a:t>Controllers Routes</a:t>
           </a:r>
           <a:endParaRPr lang="pt-PT" sz="1600" b="1" kern="1200" dirty="0">
             <a:solidFill>
-              <a:schemeClr val="bg1"/>
+              <a:schemeClr val="tx1"/>
             </a:solidFill>
           </a:endParaRPr>
         </a:p>
@@ -1569,6 +3041,233 @@
 </file>
 
 <file path=ppt/diagrams/layout1.xml><?xml version="1.0" encoding="utf-8"?>
+<dgm:layoutDef xmlns:dgm="http://schemas.openxmlformats.org/drawingml/2006/diagram" xmlns:a="http://schemas.openxmlformats.org/drawingml/2006/main" uniqueId="urn:microsoft.com/office/officeart/2005/8/layout/lProcess2">
+  <dgm:title val=""/>
+  <dgm:desc val=""/>
+  <dgm:catLst>
+    <dgm:cat type="list" pri="10000"/>
+    <dgm:cat type="relationship" pri="13000"/>
+  </dgm:catLst>
+  <dgm:sampData>
+    <dgm:dataModel>
+      <dgm:ptLst>
+        <dgm:pt modelId="0" type="doc"/>
+        <dgm:pt modelId="1">
+          <dgm:prSet phldr="1"/>
+        </dgm:pt>
+        <dgm:pt modelId="11">
+          <dgm:prSet phldr="1"/>
+        </dgm:pt>
+        <dgm:pt modelId="12">
+          <dgm:prSet phldr="1"/>
+        </dgm:pt>
+        <dgm:pt modelId="2">
+          <dgm:prSet phldr="1"/>
+        </dgm:pt>
+        <dgm:pt modelId="21">
+          <dgm:prSet phldr="1"/>
+        </dgm:pt>
+        <dgm:pt modelId="22">
+          <dgm:prSet phldr="1"/>
+        </dgm:pt>
+        <dgm:pt modelId="3">
+          <dgm:prSet phldr="1"/>
+        </dgm:pt>
+        <dgm:pt modelId="31">
+          <dgm:prSet phldr="1"/>
+        </dgm:pt>
+        <dgm:pt modelId="32">
+          <dgm:prSet phldr="1"/>
+        </dgm:pt>
+      </dgm:ptLst>
+      <dgm:cxnLst>
+        <dgm:cxn modelId="4" srcId="0" destId="1" srcOrd="0" destOrd="0"/>
+        <dgm:cxn modelId="5" srcId="0" destId="2" srcOrd="1" destOrd="0"/>
+        <dgm:cxn modelId="13" srcId="1" destId="11" srcOrd="0" destOrd="0"/>
+        <dgm:cxn modelId="14" srcId="1" destId="12" srcOrd="0" destOrd="0"/>
+        <dgm:cxn modelId="23" srcId="2" destId="21" srcOrd="0" destOrd="0"/>
+        <dgm:cxn modelId="24" srcId="2" destId="22" srcOrd="0" destOrd="0"/>
+        <dgm:cxn modelId="33" srcId="3" destId="31" srcOrd="0" destOrd="0"/>
+        <dgm:cxn modelId="34" srcId="3" destId="32" srcOrd="0" destOrd="0"/>
+      </dgm:cxnLst>
+      <dgm:bg/>
+      <dgm:whole/>
+    </dgm:dataModel>
+  </dgm:sampData>
+  <dgm:styleData useDef="1">
+    <dgm:dataModel>
+      <dgm:ptLst/>
+      <dgm:bg/>
+      <dgm:whole/>
+    </dgm:dataModel>
+  </dgm:styleData>
+  <dgm:clrData useDef="1">
+    <dgm:dataModel>
+      <dgm:ptLst/>
+      <dgm:bg/>
+      <dgm:whole/>
+    </dgm:dataModel>
+  </dgm:clrData>
+  <dgm:layoutNode name="theList">
+    <dgm:varLst>
+      <dgm:dir/>
+      <dgm:animLvl val="lvl"/>
+      <dgm:resizeHandles val="exact"/>
+    </dgm:varLst>
+    <dgm:choose name="Name0">
+      <dgm:if name="Name1" func="var" arg="dir" op="equ" val="norm">
+        <dgm:alg type="lin"/>
+      </dgm:if>
+      <dgm:else name="Name2">
+        <dgm:alg type="lin">
+          <dgm:param type="linDir" val="fromR"/>
+        </dgm:alg>
+      </dgm:else>
+    </dgm:choose>
+    <dgm:shape xmlns:r="http://schemas.openxmlformats.org/officeDocument/2006/relationships" r:blip="">
+      <dgm:adjLst/>
+    </dgm:shape>
+    <dgm:presOf/>
+    <dgm:constrLst>
+      <dgm:constr type="w" for="ch" forName="compNode" refType="w"/>
+      <dgm:constr type="h" for="ch" forName="compNode" refType="h"/>
+      <dgm:constr type="w" for="ch" forName="aSpace" refType="w" fact="0.075"/>
+      <dgm:constr type="h" for="des" forName="aSpace2" refType="h" fact="0.1"/>
+      <dgm:constr type="primFontSz" for="des" forName="textNode" op="equ"/>
+      <dgm:constr type="primFontSz" for="des" forName="childNode" op="equ"/>
+    </dgm:constrLst>
+    <dgm:ruleLst/>
+    <dgm:forEach name="aNodeForEach" axis="ch" ptType="node">
+      <dgm:layoutNode name="compNode">
+        <dgm:alg type="composite"/>
+        <dgm:shape xmlns:r="http://schemas.openxmlformats.org/officeDocument/2006/relationships" r:blip="">
+          <dgm:adjLst/>
+        </dgm:shape>
+        <dgm:presOf/>
+        <dgm:constrLst>
+          <dgm:constr type="w" for="ch" forName="aNode" refType="w"/>
+          <dgm:constr type="h" for="ch" forName="aNode" refType="h"/>
+          <dgm:constr type="w" for="ch" forName="textNode" refType="w"/>
+          <dgm:constr type="h" for="ch" forName="textNode" refType="h" fact="0.3"/>
+          <dgm:constr type="ctrX" for="ch" forName="textNode" refType="w" fact="0.5"/>
+          <dgm:constr type="w" for="ch" forName="compChildNode" refType="w" fact="0.8"/>
+          <dgm:constr type="h" for="ch" forName="compChildNode" refType="h" fact="0.65"/>
+          <dgm:constr type="t" for="ch" forName="compChildNode" refType="h" fact="0.3"/>
+          <dgm:constr type="ctrX" for="ch" forName="compChildNode" refType="w" fact="0.5"/>
+        </dgm:constrLst>
+        <dgm:ruleLst/>
+        <dgm:layoutNode name="aNode" styleLbl="bgShp">
+          <dgm:alg type="sp"/>
+          <dgm:shape xmlns:r="http://schemas.openxmlformats.org/officeDocument/2006/relationships" type="roundRect" r:blip="">
+            <dgm:adjLst>
+              <dgm:adj idx="1" val="0.1"/>
+            </dgm:adjLst>
+          </dgm:shape>
+          <dgm:presOf axis="self"/>
+          <dgm:constrLst/>
+          <dgm:ruleLst/>
+        </dgm:layoutNode>
+        <dgm:layoutNode name="textNode" styleLbl="bgShp">
+          <dgm:alg type="tx"/>
+          <dgm:shape xmlns:r="http://schemas.openxmlformats.org/officeDocument/2006/relationships" type="rect" r:blip="" hideGeom="1">
+            <dgm:adjLst>
+              <dgm:adj idx="1" val="0.1"/>
+            </dgm:adjLst>
+          </dgm:shape>
+          <dgm:presOf axis="self"/>
+          <dgm:constrLst>
+            <dgm:constr type="primFontSz" val="65"/>
+            <dgm:constr type="lMarg" refType="primFontSz" fact="0.3"/>
+            <dgm:constr type="rMarg" refType="primFontSz" fact="0.3"/>
+            <dgm:constr type="tMarg" refType="primFontSz" fact="0.3"/>
+            <dgm:constr type="bMarg" refType="primFontSz" fact="0.3"/>
+          </dgm:constrLst>
+          <dgm:ruleLst>
+            <dgm:rule type="primFontSz" val="5" fact="NaN" max="NaN"/>
+          </dgm:ruleLst>
+        </dgm:layoutNode>
+        <dgm:layoutNode name="compChildNode">
+          <dgm:alg type="composite"/>
+          <dgm:shape xmlns:r="http://schemas.openxmlformats.org/officeDocument/2006/relationships" r:blip="">
+            <dgm:adjLst/>
+          </dgm:shape>
+          <dgm:presOf/>
+          <dgm:constrLst>
+            <dgm:constr type="w" for="des" forName="childNode" refType="w"/>
+            <dgm:constr type="h" for="des" forName="childNode" refType="h"/>
+          </dgm:constrLst>
+          <dgm:ruleLst/>
+          <dgm:layoutNode name="theInnerList">
+            <dgm:alg type="lin">
+              <dgm:param type="linDir" val="fromT"/>
+            </dgm:alg>
+            <dgm:shape xmlns:r="http://schemas.openxmlformats.org/officeDocument/2006/relationships" r:blip="">
+              <dgm:adjLst/>
+            </dgm:shape>
+            <dgm:presOf/>
+            <dgm:constrLst/>
+            <dgm:ruleLst/>
+            <dgm:forEach name="childNodeForEach" axis="ch" ptType="node">
+              <dgm:layoutNode name="childNode" styleLbl="node1">
+                <dgm:varLst>
+                  <dgm:bulletEnabled val="1"/>
+                </dgm:varLst>
+                <dgm:alg type="tx"/>
+                <dgm:shape xmlns:r="http://schemas.openxmlformats.org/officeDocument/2006/relationships" type="roundRect" r:blip="">
+                  <dgm:adjLst>
+                    <dgm:adj idx="1" val="0.1"/>
+                  </dgm:adjLst>
+                </dgm:shape>
+                <dgm:presOf axis="desOrSelf" ptType="node"/>
+                <dgm:constrLst>
+                  <dgm:constr type="primFontSz" val="65"/>
+                  <dgm:constr type="tMarg" refType="primFontSz" fact="0.15"/>
+                  <dgm:constr type="bMarg" refType="primFontSz" fact="0.15"/>
+                  <dgm:constr type="lMarg" refType="primFontSz" fact="0.2"/>
+                  <dgm:constr type="rMarg" refType="primFontSz" fact="0.2"/>
+                </dgm:constrLst>
+                <dgm:ruleLst>
+                  <dgm:rule type="primFontSz" val="5" fact="NaN" max="NaN"/>
+                </dgm:ruleLst>
+              </dgm:layoutNode>
+              <dgm:choose name="Name3">
+                <dgm:if name="Name4" axis="self" ptType="node" func="revPos" op="equ" val="1"/>
+                <dgm:else name="Name5">
+                  <dgm:layoutNode name="aSpace2">
+                    <dgm:alg type="sp"/>
+                    <dgm:shape xmlns:r="http://schemas.openxmlformats.org/officeDocument/2006/relationships" r:blip="">
+                      <dgm:adjLst/>
+                    </dgm:shape>
+                    <dgm:presOf/>
+                    <dgm:constrLst/>
+                    <dgm:ruleLst/>
+                  </dgm:layoutNode>
+                </dgm:else>
+              </dgm:choose>
+            </dgm:forEach>
+          </dgm:layoutNode>
+        </dgm:layoutNode>
+      </dgm:layoutNode>
+      <dgm:choose name="Name6">
+        <dgm:if name="Name7" axis="self" ptType="node" func="revPos" op="equ" val="1"/>
+        <dgm:else name="Name8">
+          <dgm:layoutNode name="aSpace">
+            <dgm:alg type="sp"/>
+            <dgm:shape xmlns:r="http://schemas.openxmlformats.org/officeDocument/2006/relationships" r:blip="">
+              <dgm:adjLst/>
+            </dgm:shape>
+            <dgm:presOf/>
+            <dgm:constrLst/>
+            <dgm:ruleLst/>
+          </dgm:layoutNode>
+        </dgm:else>
+      </dgm:choose>
+    </dgm:forEach>
+  </dgm:layoutNode>
+</dgm:layoutDef>
+</file>
+
+<file path=ppt/diagrams/layout2.xml><?xml version="1.0" encoding="utf-8"?>
 <dgm:layoutDef xmlns:dgm="http://schemas.openxmlformats.org/drawingml/2006/diagram" xmlns:a="http://schemas.openxmlformats.org/drawingml/2006/main" uniqueId="urn:microsoft.com/office/officeart/2005/8/layout/venn2">
   <dgm:title val=""/>
   <dgm:desc val=""/>
@@ -3264,6 +4963,1040 @@
 </dgm:styleDef>
 </file>
 
+<file path=ppt/diagrams/quickStyle2.xml><?xml version="1.0" encoding="utf-8"?>
+<dgm:styleDef xmlns:dgm="http://schemas.openxmlformats.org/drawingml/2006/diagram" xmlns:a="http://schemas.openxmlformats.org/drawingml/2006/main" uniqueId="urn:microsoft.com/office/officeart/2005/8/quickstyle/simple1">
+  <dgm:title val=""/>
+  <dgm:desc val=""/>
+  <dgm:catLst>
+    <dgm:cat type="simple" pri="10100"/>
+  </dgm:catLst>
+  <dgm:scene3d>
+    <a:camera prst="orthographicFront"/>
+    <a:lightRig rig="threePt" dir="t"/>
+  </dgm:scene3d>
+  <dgm:styleLbl name="node0">
+    <dgm:scene3d>
+      <a:camera prst="orthographicFront"/>
+      <a:lightRig rig="threePt" dir="t"/>
+    </dgm:scene3d>
+    <dgm:sp3d/>
+    <dgm:txPr/>
+    <dgm:style>
+      <a:lnRef idx="2">
+        <a:scrgbClr r="0" g="0" b="0"/>
+      </a:lnRef>
+      <a:fillRef idx="1">
+        <a:scrgbClr r="0" g="0" b="0"/>
+      </a:fillRef>
+      <a:effectRef idx="0">
+        <a:scrgbClr r="0" g="0" b="0"/>
+      </a:effectRef>
+      <a:fontRef idx="minor">
+        <a:schemeClr val="lt1"/>
+      </a:fontRef>
+    </dgm:style>
+  </dgm:styleLbl>
+  <dgm:styleLbl name="lnNode1">
+    <dgm:scene3d>
+      <a:camera prst="orthographicFront"/>
+      <a:lightRig rig="threePt" dir="t"/>
+    </dgm:scene3d>
+    <dgm:sp3d/>
+    <dgm:txPr/>
+    <dgm:style>
+      <a:lnRef idx="2">
+        <a:scrgbClr r="0" g="0" b="0"/>
+      </a:lnRef>
+      <a:fillRef idx="1">
+        <a:scrgbClr r="0" g="0" b="0"/>
+      </a:fillRef>
+      <a:effectRef idx="0">
+        <a:scrgbClr r="0" g="0" b="0"/>
+      </a:effectRef>
+      <a:fontRef idx="minor">
+        <a:schemeClr val="lt1"/>
+      </a:fontRef>
+    </dgm:style>
+  </dgm:styleLbl>
+  <dgm:styleLbl name="vennNode1">
+    <dgm:scene3d>
+      <a:camera prst="orthographicFront"/>
+      <a:lightRig rig="threePt" dir="t"/>
+    </dgm:scene3d>
+    <dgm:sp3d/>
+    <dgm:txPr/>
+    <dgm:style>
+      <a:lnRef idx="2">
+        <a:scrgbClr r="0" g="0" b="0"/>
+      </a:lnRef>
+      <a:fillRef idx="1">
+        <a:scrgbClr r="0" g="0" b="0"/>
+      </a:fillRef>
+      <a:effectRef idx="0">
+        <a:scrgbClr r="0" g="0" b="0"/>
+      </a:effectRef>
+      <a:fontRef idx="minor">
+        <a:schemeClr val="tx1"/>
+      </a:fontRef>
+    </dgm:style>
+  </dgm:styleLbl>
+  <dgm:styleLbl name="alignNode1">
+    <dgm:scene3d>
+      <a:camera prst="orthographicFront"/>
+      <a:lightRig rig="threePt" dir="t"/>
+    </dgm:scene3d>
+    <dgm:sp3d/>
+    <dgm:txPr/>
+    <dgm:style>
+      <a:lnRef idx="2">
+        <a:scrgbClr r="0" g="0" b="0"/>
+      </a:lnRef>
+      <a:fillRef idx="1">
+        <a:scrgbClr r="0" g="0" b="0"/>
+      </a:fillRef>
+      <a:effectRef idx="0">
+        <a:scrgbClr r="0" g="0" b="0"/>
+      </a:effectRef>
+      <a:fontRef idx="minor">
+        <a:schemeClr val="lt1"/>
+      </a:fontRef>
+    </dgm:style>
+  </dgm:styleLbl>
+  <dgm:styleLbl name="node1">
+    <dgm:scene3d>
+      <a:camera prst="orthographicFront"/>
+      <a:lightRig rig="threePt" dir="t"/>
+    </dgm:scene3d>
+    <dgm:sp3d/>
+    <dgm:txPr/>
+    <dgm:style>
+      <a:lnRef idx="2">
+        <a:scrgbClr r="0" g="0" b="0"/>
+      </a:lnRef>
+      <a:fillRef idx="1">
+        <a:scrgbClr r="0" g="0" b="0"/>
+      </a:fillRef>
+      <a:effectRef idx="0">
+        <a:scrgbClr r="0" g="0" b="0"/>
+      </a:effectRef>
+      <a:fontRef idx="minor">
+        <a:schemeClr val="lt1"/>
+      </a:fontRef>
+    </dgm:style>
+  </dgm:styleLbl>
+  <dgm:styleLbl name="node2">
+    <dgm:scene3d>
+      <a:camera prst="orthographicFront"/>
+      <a:lightRig rig="threePt" dir="t"/>
+    </dgm:scene3d>
+    <dgm:sp3d/>
+    <dgm:txPr/>
+    <dgm:style>
+      <a:lnRef idx="2">
+        <a:scrgbClr r="0" g="0" b="0"/>
+      </a:lnRef>
+      <a:fillRef idx="1">
+        <a:scrgbClr r="0" g="0" b="0"/>
+      </a:fillRef>
+      <a:effectRef idx="0">
+        <a:scrgbClr r="0" g="0" b="0"/>
+      </a:effectRef>
+      <a:fontRef idx="minor">
+        <a:schemeClr val="lt1"/>
+      </a:fontRef>
+    </dgm:style>
+  </dgm:styleLbl>
+  <dgm:styleLbl name="node3">
+    <dgm:scene3d>
+      <a:camera prst="orthographicFront"/>
+      <a:lightRig rig="threePt" dir="t"/>
+    </dgm:scene3d>
+    <dgm:sp3d/>
+    <dgm:txPr/>
+    <dgm:style>
+      <a:lnRef idx="2">
+        <a:scrgbClr r="0" g="0" b="0"/>
+      </a:lnRef>
+      <a:fillRef idx="1">
+        <a:scrgbClr r="0" g="0" b="0"/>
+      </a:fillRef>
+      <a:effectRef idx="0">
+        <a:scrgbClr r="0" g="0" b="0"/>
+      </a:effectRef>
+      <a:fontRef idx="minor">
+        <a:schemeClr val="lt1"/>
+      </a:fontRef>
+    </dgm:style>
+  </dgm:styleLbl>
+  <dgm:styleLbl name="node4">
+    <dgm:scene3d>
+      <a:camera prst="orthographicFront"/>
+      <a:lightRig rig="threePt" dir="t"/>
+    </dgm:scene3d>
+    <dgm:sp3d/>
+    <dgm:txPr/>
+    <dgm:style>
+      <a:lnRef idx="2">
+        <a:scrgbClr r="0" g="0" b="0"/>
+      </a:lnRef>
+      <a:fillRef idx="1">
+        <a:scrgbClr r="0" g="0" b="0"/>
+      </a:fillRef>
+      <a:effectRef idx="0">
+        <a:scrgbClr r="0" g="0" b="0"/>
+      </a:effectRef>
+      <a:fontRef idx="minor">
+        <a:schemeClr val="lt1"/>
+      </a:fontRef>
+    </dgm:style>
+  </dgm:styleLbl>
+  <dgm:styleLbl name="fgImgPlace1">
+    <dgm:scene3d>
+      <a:camera prst="orthographicFront"/>
+      <a:lightRig rig="threePt" dir="t"/>
+    </dgm:scene3d>
+    <dgm:sp3d/>
+    <dgm:txPr/>
+    <dgm:style>
+      <a:lnRef idx="2">
+        <a:scrgbClr r="0" g="0" b="0"/>
+      </a:lnRef>
+      <a:fillRef idx="1">
+        <a:scrgbClr r="0" g="0" b="0"/>
+      </a:fillRef>
+      <a:effectRef idx="0">
+        <a:scrgbClr r="0" g="0" b="0"/>
+      </a:effectRef>
+      <a:fontRef idx="minor"/>
+    </dgm:style>
+  </dgm:styleLbl>
+  <dgm:styleLbl name="alignImgPlace1">
+    <dgm:scene3d>
+      <a:camera prst="orthographicFront"/>
+      <a:lightRig rig="threePt" dir="t"/>
+    </dgm:scene3d>
+    <dgm:sp3d/>
+    <dgm:txPr/>
+    <dgm:style>
+      <a:lnRef idx="2">
+        <a:scrgbClr r="0" g="0" b="0"/>
+      </a:lnRef>
+      <a:fillRef idx="1">
+        <a:scrgbClr r="0" g="0" b="0"/>
+      </a:fillRef>
+      <a:effectRef idx="0">
+        <a:scrgbClr r="0" g="0" b="0"/>
+      </a:effectRef>
+      <a:fontRef idx="minor"/>
+    </dgm:style>
+  </dgm:styleLbl>
+  <dgm:styleLbl name="bgImgPlace1">
+    <dgm:scene3d>
+      <a:camera prst="orthographicFront"/>
+      <a:lightRig rig="threePt" dir="t"/>
+    </dgm:scene3d>
+    <dgm:sp3d/>
+    <dgm:txPr/>
+    <dgm:style>
+      <a:lnRef idx="2">
+        <a:scrgbClr r="0" g="0" b="0"/>
+      </a:lnRef>
+      <a:fillRef idx="1">
+        <a:scrgbClr r="0" g="0" b="0"/>
+      </a:fillRef>
+      <a:effectRef idx="0">
+        <a:scrgbClr r="0" g="0" b="0"/>
+      </a:effectRef>
+      <a:fontRef idx="minor"/>
+    </dgm:style>
+  </dgm:styleLbl>
+  <dgm:styleLbl name="sibTrans2D1">
+    <dgm:scene3d>
+      <a:camera prst="orthographicFront"/>
+      <a:lightRig rig="threePt" dir="t"/>
+    </dgm:scene3d>
+    <dgm:sp3d/>
+    <dgm:txPr/>
+    <dgm:style>
+      <a:lnRef idx="0">
+        <a:scrgbClr r="0" g="0" b="0"/>
+      </a:lnRef>
+      <a:fillRef idx="1">
+        <a:scrgbClr r="0" g="0" b="0"/>
+      </a:fillRef>
+      <a:effectRef idx="0">
+        <a:scrgbClr r="0" g="0" b="0"/>
+      </a:effectRef>
+      <a:fontRef idx="minor">
+        <a:schemeClr val="lt1"/>
+      </a:fontRef>
+    </dgm:style>
+  </dgm:styleLbl>
+  <dgm:styleLbl name="fgSibTrans2D1">
+    <dgm:scene3d>
+      <a:camera prst="orthographicFront"/>
+      <a:lightRig rig="threePt" dir="t"/>
+    </dgm:scene3d>
+    <dgm:sp3d/>
+    <dgm:txPr/>
+    <dgm:style>
+      <a:lnRef idx="0">
+        <a:scrgbClr r="0" g="0" b="0"/>
+      </a:lnRef>
+      <a:fillRef idx="1">
+        <a:scrgbClr r="0" g="0" b="0"/>
+      </a:fillRef>
+      <a:effectRef idx="0">
+        <a:scrgbClr r="0" g="0" b="0"/>
+      </a:effectRef>
+      <a:fontRef idx="minor">
+        <a:schemeClr val="lt1"/>
+      </a:fontRef>
+    </dgm:style>
+  </dgm:styleLbl>
+  <dgm:styleLbl name="bgSibTrans2D1">
+    <dgm:scene3d>
+      <a:camera prst="orthographicFront"/>
+      <a:lightRig rig="threePt" dir="t"/>
+    </dgm:scene3d>
+    <dgm:sp3d/>
+    <dgm:txPr/>
+    <dgm:style>
+      <a:lnRef idx="0">
+        <a:scrgbClr r="0" g="0" b="0"/>
+      </a:lnRef>
+      <a:fillRef idx="1">
+        <a:scrgbClr r="0" g="0" b="0"/>
+      </a:fillRef>
+      <a:effectRef idx="0">
+        <a:scrgbClr r="0" g="0" b="0"/>
+      </a:effectRef>
+      <a:fontRef idx="minor">
+        <a:schemeClr val="lt1"/>
+      </a:fontRef>
+    </dgm:style>
+  </dgm:styleLbl>
+  <dgm:styleLbl name="sibTrans1D1">
+    <dgm:scene3d>
+      <a:camera prst="orthographicFront"/>
+      <a:lightRig rig="threePt" dir="t"/>
+    </dgm:scene3d>
+    <dgm:sp3d/>
+    <dgm:txPr/>
+    <dgm:style>
+      <a:lnRef idx="1">
+        <a:scrgbClr r="0" g="0" b="0"/>
+      </a:lnRef>
+      <a:fillRef idx="0">
+        <a:scrgbClr r="0" g="0" b="0"/>
+      </a:fillRef>
+      <a:effectRef idx="0">
+        <a:scrgbClr r="0" g="0" b="0"/>
+      </a:effectRef>
+      <a:fontRef idx="minor"/>
+    </dgm:style>
+  </dgm:styleLbl>
+  <dgm:styleLbl name="callout">
+    <dgm:scene3d>
+      <a:camera prst="orthographicFront"/>
+      <a:lightRig rig="threePt" dir="t"/>
+    </dgm:scene3d>
+    <dgm:sp3d/>
+    <dgm:txPr/>
+    <dgm:style>
+      <a:lnRef idx="2">
+        <a:scrgbClr r="0" g="0" b="0"/>
+      </a:lnRef>
+      <a:fillRef idx="1">
+        <a:scrgbClr r="0" g="0" b="0"/>
+      </a:fillRef>
+      <a:effectRef idx="0">
+        <a:scrgbClr r="0" g="0" b="0"/>
+      </a:effectRef>
+      <a:fontRef idx="minor"/>
+    </dgm:style>
+  </dgm:styleLbl>
+  <dgm:styleLbl name="asst0">
+    <dgm:scene3d>
+      <a:camera prst="orthographicFront"/>
+      <a:lightRig rig="threePt" dir="t"/>
+    </dgm:scene3d>
+    <dgm:sp3d/>
+    <dgm:txPr/>
+    <dgm:style>
+      <a:lnRef idx="2">
+        <a:scrgbClr r="0" g="0" b="0"/>
+      </a:lnRef>
+      <a:fillRef idx="1">
+        <a:scrgbClr r="0" g="0" b="0"/>
+      </a:fillRef>
+      <a:effectRef idx="0">
+        <a:scrgbClr r="0" g="0" b="0"/>
+      </a:effectRef>
+      <a:fontRef idx="minor">
+        <a:schemeClr val="lt1"/>
+      </a:fontRef>
+    </dgm:style>
+  </dgm:styleLbl>
+  <dgm:styleLbl name="asst1">
+    <dgm:scene3d>
+      <a:camera prst="orthographicFront"/>
+      <a:lightRig rig="threePt" dir="t"/>
+    </dgm:scene3d>
+    <dgm:sp3d/>
+    <dgm:txPr/>
+    <dgm:style>
+      <a:lnRef idx="2">
+        <a:scrgbClr r="0" g="0" b="0"/>
+      </a:lnRef>
+      <a:fillRef idx="1">
+        <a:scrgbClr r="0" g="0" b="0"/>
+      </a:fillRef>
+      <a:effectRef idx="0">
+        <a:scrgbClr r="0" g="0" b="0"/>
+      </a:effectRef>
+      <a:fontRef idx="minor">
+        <a:schemeClr val="lt1"/>
+      </a:fontRef>
+    </dgm:style>
+  </dgm:styleLbl>
+  <dgm:styleLbl name="asst2">
+    <dgm:scene3d>
+      <a:camera prst="orthographicFront"/>
+      <a:lightRig rig="threePt" dir="t"/>
+    </dgm:scene3d>
+    <dgm:sp3d/>
+    <dgm:txPr/>
+    <dgm:style>
+      <a:lnRef idx="2">
+        <a:scrgbClr r="0" g="0" b="0"/>
+      </a:lnRef>
+      <a:fillRef idx="1">
+        <a:scrgbClr r="0" g="0" b="0"/>
+      </a:fillRef>
+      <a:effectRef idx="0">
+        <a:scrgbClr r="0" g="0" b="0"/>
+      </a:effectRef>
+      <a:fontRef idx="minor">
+        <a:schemeClr val="lt1"/>
+      </a:fontRef>
+    </dgm:style>
+  </dgm:styleLbl>
+  <dgm:styleLbl name="asst3">
+    <dgm:scene3d>
+      <a:camera prst="orthographicFront"/>
+      <a:lightRig rig="threePt" dir="t"/>
+    </dgm:scene3d>
+    <dgm:sp3d/>
+    <dgm:txPr/>
+    <dgm:style>
+      <a:lnRef idx="2">
+        <a:scrgbClr r="0" g="0" b="0"/>
+      </a:lnRef>
+      <a:fillRef idx="1">
+        <a:scrgbClr r="0" g="0" b="0"/>
+      </a:fillRef>
+      <a:effectRef idx="0">
+        <a:scrgbClr r="0" g="0" b="0"/>
+      </a:effectRef>
+      <a:fontRef idx="minor">
+        <a:schemeClr val="lt1"/>
+      </a:fontRef>
+    </dgm:style>
+  </dgm:styleLbl>
+  <dgm:styleLbl name="asst4">
+    <dgm:scene3d>
+      <a:camera prst="orthographicFront"/>
+      <a:lightRig rig="threePt" dir="t"/>
+    </dgm:scene3d>
+    <dgm:sp3d/>
+    <dgm:txPr/>
+    <dgm:style>
+      <a:lnRef idx="2">
+        <a:scrgbClr r="0" g="0" b="0"/>
+      </a:lnRef>
+      <a:fillRef idx="1">
+        <a:scrgbClr r="0" g="0" b="0"/>
+      </a:fillRef>
+      <a:effectRef idx="0">
+        <a:scrgbClr r="0" g="0" b="0"/>
+      </a:effectRef>
+      <a:fontRef idx="minor">
+        <a:schemeClr val="lt1"/>
+      </a:fontRef>
+    </dgm:style>
+  </dgm:styleLbl>
+  <dgm:styleLbl name="parChTrans2D1">
+    <dgm:scene3d>
+      <a:camera prst="orthographicFront"/>
+      <a:lightRig rig="threePt" dir="t"/>
+    </dgm:scene3d>
+    <dgm:sp3d/>
+    <dgm:txPr/>
+    <dgm:style>
+      <a:lnRef idx="2">
+        <a:scrgbClr r="0" g="0" b="0"/>
+      </a:lnRef>
+      <a:fillRef idx="1">
+        <a:scrgbClr r="0" g="0" b="0"/>
+      </a:fillRef>
+      <a:effectRef idx="0">
+        <a:scrgbClr r="0" g="0" b="0"/>
+      </a:effectRef>
+      <a:fontRef idx="minor">
+        <a:schemeClr val="lt1"/>
+      </a:fontRef>
+    </dgm:style>
+  </dgm:styleLbl>
+  <dgm:styleLbl name="parChTrans2D2">
+    <dgm:scene3d>
+      <a:camera prst="orthographicFront"/>
+      <a:lightRig rig="threePt" dir="t"/>
+    </dgm:scene3d>
+    <dgm:sp3d/>
+    <dgm:txPr/>
+    <dgm:style>
+      <a:lnRef idx="2">
+        <a:scrgbClr r="0" g="0" b="0"/>
+      </a:lnRef>
+      <a:fillRef idx="1">
+        <a:scrgbClr r="0" g="0" b="0"/>
+      </a:fillRef>
+      <a:effectRef idx="0">
+        <a:scrgbClr r="0" g="0" b="0"/>
+      </a:effectRef>
+      <a:fontRef idx="minor">
+        <a:schemeClr val="lt1"/>
+      </a:fontRef>
+    </dgm:style>
+  </dgm:styleLbl>
+  <dgm:styleLbl name="parChTrans2D3">
+    <dgm:scene3d>
+      <a:camera prst="orthographicFront"/>
+      <a:lightRig rig="threePt" dir="t"/>
+    </dgm:scene3d>
+    <dgm:sp3d/>
+    <dgm:txPr/>
+    <dgm:style>
+      <a:lnRef idx="2">
+        <a:scrgbClr r="0" g="0" b="0"/>
+      </a:lnRef>
+      <a:fillRef idx="1">
+        <a:scrgbClr r="0" g="0" b="0"/>
+      </a:fillRef>
+      <a:effectRef idx="0">
+        <a:scrgbClr r="0" g="0" b="0"/>
+      </a:effectRef>
+      <a:fontRef idx="minor">
+        <a:schemeClr val="lt1"/>
+      </a:fontRef>
+    </dgm:style>
+  </dgm:styleLbl>
+  <dgm:styleLbl name="parChTrans2D4">
+    <dgm:scene3d>
+      <a:camera prst="orthographicFront"/>
+      <a:lightRig rig="threePt" dir="t"/>
+    </dgm:scene3d>
+    <dgm:sp3d/>
+    <dgm:txPr/>
+    <dgm:style>
+      <a:lnRef idx="2">
+        <a:scrgbClr r="0" g="0" b="0"/>
+      </a:lnRef>
+      <a:fillRef idx="1">
+        <a:scrgbClr r="0" g="0" b="0"/>
+      </a:fillRef>
+      <a:effectRef idx="0">
+        <a:scrgbClr r="0" g="0" b="0"/>
+      </a:effectRef>
+      <a:fontRef idx="minor">
+        <a:schemeClr val="lt1"/>
+      </a:fontRef>
+    </dgm:style>
+  </dgm:styleLbl>
+  <dgm:styleLbl name="parChTrans1D1">
+    <dgm:scene3d>
+      <a:camera prst="orthographicFront"/>
+      <a:lightRig rig="threePt" dir="t"/>
+    </dgm:scene3d>
+    <dgm:sp3d/>
+    <dgm:txPr/>
+    <dgm:style>
+      <a:lnRef idx="2">
+        <a:scrgbClr r="0" g="0" b="0"/>
+      </a:lnRef>
+      <a:fillRef idx="0">
+        <a:scrgbClr r="0" g="0" b="0"/>
+      </a:fillRef>
+      <a:effectRef idx="0">
+        <a:scrgbClr r="0" g="0" b="0"/>
+      </a:effectRef>
+      <a:fontRef idx="minor"/>
+    </dgm:style>
+  </dgm:styleLbl>
+  <dgm:styleLbl name="parChTrans1D2">
+    <dgm:scene3d>
+      <a:camera prst="orthographicFront"/>
+      <a:lightRig rig="threePt" dir="t"/>
+    </dgm:scene3d>
+    <dgm:sp3d/>
+    <dgm:txPr/>
+    <dgm:style>
+      <a:lnRef idx="2">
+        <a:scrgbClr r="0" g="0" b="0"/>
+      </a:lnRef>
+      <a:fillRef idx="0">
+        <a:scrgbClr r="0" g="0" b="0"/>
+      </a:fillRef>
+      <a:effectRef idx="0">
+        <a:scrgbClr r="0" g="0" b="0"/>
+      </a:effectRef>
+      <a:fontRef idx="minor"/>
+    </dgm:style>
+  </dgm:styleLbl>
+  <dgm:styleLbl name="parChTrans1D3">
+    <dgm:scene3d>
+      <a:camera prst="orthographicFront"/>
+      <a:lightRig rig="threePt" dir="t"/>
+    </dgm:scene3d>
+    <dgm:sp3d/>
+    <dgm:txPr/>
+    <dgm:style>
+      <a:lnRef idx="2">
+        <a:scrgbClr r="0" g="0" b="0"/>
+      </a:lnRef>
+      <a:fillRef idx="0">
+        <a:scrgbClr r="0" g="0" b="0"/>
+      </a:fillRef>
+      <a:effectRef idx="0">
+        <a:scrgbClr r="0" g="0" b="0"/>
+      </a:effectRef>
+      <a:fontRef idx="minor"/>
+    </dgm:style>
+  </dgm:styleLbl>
+  <dgm:styleLbl name="parChTrans1D4">
+    <dgm:scene3d>
+      <a:camera prst="orthographicFront"/>
+      <a:lightRig rig="threePt" dir="t"/>
+    </dgm:scene3d>
+    <dgm:sp3d/>
+    <dgm:txPr/>
+    <dgm:style>
+      <a:lnRef idx="2">
+        <a:scrgbClr r="0" g="0" b="0"/>
+      </a:lnRef>
+      <a:fillRef idx="0">
+        <a:scrgbClr r="0" g="0" b="0"/>
+      </a:fillRef>
+      <a:effectRef idx="0">
+        <a:scrgbClr r="0" g="0" b="0"/>
+      </a:effectRef>
+      <a:fontRef idx="minor"/>
+    </dgm:style>
+  </dgm:styleLbl>
+  <dgm:styleLbl name="fgAcc1">
+    <dgm:scene3d>
+      <a:camera prst="orthographicFront"/>
+      <a:lightRig rig="threePt" dir="t"/>
+    </dgm:scene3d>
+    <dgm:sp3d/>
+    <dgm:txPr/>
+    <dgm:style>
+      <a:lnRef idx="2">
+        <a:scrgbClr r="0" g="0" b="0"/>
+      </a:lnRef>
+      <a:fillRef idx="1">
+        <a:scrgbClr r="0" g="0" b="0"/>
+      </a:fillRef>
+      <a:effectRef idx="0">
+        <a:scrgbClr r="0" g="0" b="0"/>
+      </a:effectRef>
+      <a:fontRef idx="minor"/>
+    </dgm:style>
+  </dgm:styleLbl>
+  <dgm:styleLbl name="conFgAcc1">
+    <dgm:scene3d>
+      <a:camera prst="orthographicFront"/>
+      <a:lightRig rig="threePt" dir="t"/>
+    </dgm:scene3d>
+    <dgm:sp3d/>
+    <dgm:txPr/>
+    <dgm:style>
+      <a:lnRef idx="2">
+        <a:scrgbClr r="0" g="0" b="0"/>
+      </a:lnRef>
+      <a:fillRef idx="1">
+        <a:scrgbClr r="0" g="0" b="0"/>
+      </a:fillRef>
+      <a:effectRef idx="0">
+        <a:scrgbClr r="0" g="0" b="0"/>
+      </a:effectRef>
+      <a:fontRef idx="minor"/>
+    </dgm:style>
+  </dgm:styleLbl>
+  <dgm:styleLbl name="alignAcc1">
+    <dgm:scene3d>
+      <a:camera prst="orthographicFront"/>
+      <a:lightRig rig="threePt" dir="t"/>
+    </dgm:scene3d>
+    <dgm:sp3d/>
+    <dgm:txPr/>
+    <dgm:style>
+      <a:lnRef idx="2">
+        <a:scrgbClr r="0" g="0" b="0"/>
+      </a:lnRef>
+      <a:fillRef idx="1">
+        <a:scrgbClr r="0" g="0" b="0"/>
+      </a:fillRef>
+      <a:effectRef idx="0">
+        <a:scrgbClr r="0" g="0" b="0"/>
+      </a:effectRef>
+      <a:fontRef idx="minor"/>
+    </dgm:style>
+  </dgm:styleLbl>
+  <dgm:styleLbl name="trAlignAcc1">
+    <dgm:scene3d>
+      <a:camera prst="orthographicFront"/>
+      <a:lightRig rig="threePt" dir="t"/>
+    </dgm:scene3d>
+    <dgm:sp3d/>
+    <dgm:txPr/>
+    <dgm:style>
+      <a:lnRef idx="1">
+        <a:scrgbClr r="0" g="0" b="0"/>
+      </a:lnRef>
+      <a:fillRef idx="1">
+        <a:scrgbClr r="0" g="0" b="0"/>
+      </a:fillRef>
+      <a:effectRef idx="0">
+        <a:scrgbClr r="0" g="0" b="0"/>
+      </a:effectRef>
+      <a:fontRef idx="minor"/>
+    </dgm:style>
+  </dgm:styleLbl>
+  <dgm:styleLbl name="bgAcc1">
+    <dgm:scene3d>
+      <a:camera prst="orthographicFront"/>
+      <a:lightRig rig="threePt" dir="t"/>
+    </dgm:scene3d>
+    <dgm:sp3d/>
+    <dgm:txPr/>
+    <dgm:style>
+      <a:lnRef idx="2">
+        <a:scrgbClr r="0" g="0" b="0"/>
+      </a:lnRef>
+      <a:fillRef idx="1">
+        <a:scrgbClr r="0" g="0" b="0"/>
+      </a:fillRef>
+      <a:effectRef idx="0">
+        <a:scrgbClr r="0" g="0" b="0"/>
+      </a:effectRef>
+      <a:fontRef idx="minor"/>
+    </dgm:style>
+  </dgm:styleLbl>
+  <dgm:styleLbl name="solidFgAcc1">
+    <dgm:scene3d>
+      <a:camera prst="orthographicFront"/>
+      <a:lightRig rig="threePt" dir="t"/>
+    </dgm:scene3d>
+    <dgm:sp3d/>
+    <dgm:txPr/>
+    <dgm:style>
+      <a:lnRef idx="2">
+        <a:scrgbClr r="0" g="0" b="0"/>
+      </a:lnRef>
+      <a:fillRef idx="1">
+        <a:scrgbClr r="0" g="0" b="0"/>
+      </a:fillRef>
+      <a:effectRef idx="0">
+        <a:scrgbClr r="0" g="0" b="0"/>
+      </a:effectRef>
+      <a:fontRef idx="minor"/>
+    </dgm:style>
+  </dgm:styleLbl>
+  <dgm:styleLbl name="solidAlignAcc1">
+    <dgm:scene3d>
+      <a:camera prst="orthographicFront"/>
+      <a:lightRig rig="threePt" dir="t"/>
+    </dgm:scene3d>
+    <dgm:sp3d/>
+    <dgm:txPr/>
+    <dgm:style>
+      <a:lnRef idx="2">
+        <a:scrgbClr r="0" g="0" b="0"/>
+      </a:lnRef>
+      <a:fillRef idx="1">
+        <a:scrgbClr r="0" g="0" b="0"/>
+      </a:fillRef>
+      <a:effectRef idx="0">
+        <a:scrgbClr r="0" g="0" b="0"/>
+      </a:effectRef>
+      <a:fontRef idx="minor"/>
+    </dgm:style>
+  </dgm:styleLbl>
+  <dgm:styleLbl name="solidBgAcc1">
+    <dgm:scene3d>
+      <a:camera prst="orthographicFront"/>
+      <a:lightRig rig="threePt" dir="t"/>
+    </dgm:scene3d>
+    <dgm:sp3d/>
+    <dgm:txPr/>
+    <dgm:style>
+      <a:lnRef idx="2">
+        <a:scrgbClr r="0" g="0" b="0"/>
+      </a:lnRef>
+      <a:fillRef idx="1">
+        <a:scrgbClr r="0" g="0" b="0"/>
+      </a:fillRef>
+      <a:effectRef idx="0">
+        <a:scrgbClr r="0" g="0" b="0"/>
+      </a:effectRef>
+      <a:fontRef idx="minor"/>
+    </dgm:style>
+  </dgm:styleLbl>
+  <dgm:styleLbl name="fgAccFollowNode1">
+    <dgm:scene3d>
+      <a:camera prst="orthographicFront"/>
+      <a:lightRig rig="threePt" dir="t"/>
+    </dgm:scene3d>
+    <dgm:sp3d/>
+    <dgm:txPr/>
+    <dgm:style>
+      <a:lnRef idx="2">
+        <a:scrgbClr r="0" g="0" b="0"/>
+      </a:lnRef>
+      <a:fillRef idx="1">
+        <a:scrgbClr r="0" g="0" b="0"/>
+      </a:fillRef>
+      <a:effectRef idx="0">
+        <a:scrgbClr r="0" g="0" b="0"/>
+      </a:effectRef>
+      <a:fontRef idx="minor"/>
+    </dgm:style>
+  </dgm:styleLbl>
+  <dgm:styleLbl name="alignAccFollowNode1">
+    <dgm:scene3d>
+      <a:camera prst="orthographicFront"/>
+      <a:lightRig rig="threePt" dir="t"/>
+    </dgm:scene3d>
+    <dgm:sp3d/>
+    <dgm:txPr/>
+    <dgm:style>
+      <a:lnRef idx="2">
+        <a:scrgbClr r="0" g="0" b="0"/>
+      </a:lnRef>
+      <a:fillRef idx="1">
+        <a:scrgbClr r="0" g="0" b="0"/>
+      </a:fillRef>
+      <a:effectRef idx="0">
+        <a:scrgbClr r="0" g="0" b="0"/>
+      </a:effectRef>
+      <a:fontRef idx="minor"/>
+    </dgm:style>
+  </dgm:styleLbl>
+  <dgm:styleLbl name="bgAccFollowNode1">
+    <dgm:scene3d>
+      <a:camera prst="orthographicFront"/>
+      <a:lightRig rig="threePt" dir="t"/>
+    </dgm:scene3d>
+    <dgm:sp3d/>
+    <dgm:txPr/>
+    <dgm:style>
+      <a:lnRef idx="2">
+        <a:scrgbClr r="0" g="0" b="0"/>
+      </a:lnRef>
+      <a:fillRef idx="1">
+        <a:scrgbClr r="0" g="0" b="0"/>
+      </a:fillRef>
+      <a:effectRef idx="0">
+        <a:scrgbClr r="0" g="0" b="0"/>
+      </a:effectRef>
+      <a:fontRef idx="minor"/>
+    </dgm:style>
+  </dgm:styleLbl>
+  <dgm:styleLbl name="fgAcc0">
+    <dgm:scene3d>
+      <a:camera prst="orthographicFront"/>
+      <a:lightRig rig="threePt" dir="t"/>
+    </dgm:scene3d>
+    <dgm:sp3d/>
+    <dgm:txPr/>
+    <dgm:style>
+      <a:lnRef idx="2">
+        <a:scrgbClr r="0" g="0" b="0"/>
+      </a:lnRef>
+      <a:fillRef idx="1">
+        <a:scrgbClr r="0" g="0" b="0"/>
+      </a:fillRef>
+      <a:effectRef idx="0">
+        <a:scrgbClr r="0" g="0" b="0"/>
+      </a:effectRef>
+      <a:fontRef idx="minor"/>
+    </dgm:style>
+  </dgm:styleLbl>
+  <dgm:styleLbl name="fgAcc2">
+    <dgm:scene3d>
+      <a:camera prst="orthographicFront"/>
+      <a:lightRig rig="threePt" dir="t"/>
+    </dgm:scene3d>
+    <dgm:sp3d/>
+    <dgm:txPr/>
+    <dgm:style>
+      <a:lnRef idx="2">
+        <a:scrgbClr r="0" g="0" b="0"/>
+      </a:lnRef>
+      <a:fillRef idx="1">
+        <a:scrgbClr r="0" g="0" b="0"/>
+      </a:fillRef>
+      <a:effectRef idx="0">
+        <a:scrgbClr r="0" g="0" b="0"/>
+      </a:effectRef>
+      <a:fontRef idx="minor"/>
+    </dgm:style>
+  </dgm:styleLbl>
+  <dgm:styleLbl name="fgAcc3">
+    <dgm:scene3d>
+      <a:camera prst="orthographicFront"/>
+      <a:lightRig rig="threePt" dir="t"/>
+    </dgm:scene3d>
+    <dgm:sp3d/>
+    <dgm:txPr/>
+    <dgm:style>
+      <a:lnRef idx="2">
+        <a:scrgbClr r="0" g="0" b="0"/>
+      </a:lnRef>
+      <a:fillRef idx="1">
+        <a:scrgbClr r="0" g="0" b="0"/>
+      </a:fillRef>
+      <a:effectRef idx="0">
+        <a:scrgbClr r="0" g="0" b="0"/>
+      </a:effectRef>
+      <a:fontRef idx="minor"/>
+    </dgm:style>
+  </dgm:styleLbl>
+  <dgm:styleLbl name="fgAcc4">
+    <dgm:scene3d>
+      <a:camera prst="orthographicFront"/>
+      <a:lightRig rig="threePt" dir="t"/>
+    </dgm:scene3d>
+    <dgm:sp3d/>
+    <dgm:txPr/>
+    <dgm:style>
+      <a:lnRef idx="2">
+        <a:scrgbClr r="0" g="0" b="0"/>
+      </a:lnRef>
+      <a:fillRef idx="1">
+        <a:scrgbClr r="0" g="0" b="0"/>
+      </a:fillRef>
+      <a:effectRef idx="0">
+        <a:scrgbClr r="0" g="0" b="0"/>
+      </a:effectRef>
+      <a:fontRef idx="minor"/>
+    </dgm:style>
+  </dgm:styleLbl>
+  <dgm:styleLbl name="bgShp">
+    <dgm:scene3d>
+      <a:camera prst="orthographicFront"/>
+      <a:lightRig rig="threePt" dir="t"/>
+    </dgm:scene3d>
+    <dgm:sp3d/>
+    <dgm:txPr/>
+    <dgm:style>
+      <a:lnRef idx="0">
+        <a:scrgbClr r="0" g="0" b="0"/>
+      </a:lnRef>
+      <a:fillRef idx="1">
+        <a:scrgbClr r="0" g="0" b="0"/>
+      </a:fillRef>
+      <a:effectRef idx="0">
+        <a:scrgbClr r="0" g="0" b="0"/>
+      </a:effectRef>
+      <a:fontRef idx="minor"/>
+    </dgm:style>
+  </dgm:styleLbl>
+  <dgm:styleLbl name="dkBgShp">
+    <dgm:scene3d>
+      <a:camera prst="orthographicFront"/>
+      <a:lightRig rig="threePt" dir="t"/>
+    </dgm:scene3d>
+    <dgm:sp3d/>
+    <dgm:txPr/>
+    <dgm:style>
+      <a:lnRef idx="0">
+        <a:scrgbClr r="0" g="0" b="0"/>
+      </a:lnRef>
+      <a:fillRef idx="1">
+        <a:scrgbClr r="0" g="0" b="0"/>
+      </a:fillRef>
+      <a:effectRef idx="0">
+        <a:scrgbClr r="0" g="0" b="0"/>
+      </a:effectRef>
+      <a:fontRef idx="minor"/>
+    </dgm:style>
+  </dgm:styleLbl>
+  <dgm:styleLbl name="trBgShp">
+    <dgm:scene3d>
+      <a:camera prst="orthographicFront"/>
+      <a:lightRig rig="threePt" dir="t"/>
+    </dgm:scene3d>
+    <dgm:sp3d/>
+    <dgm:txPr/>
+    <dgm:style>
+      <a:lnRef idx="0">
+        <a:scrgbClr r="0" g="0" b="0"/>
+      </a:lnRef>
+      <a:fillRef idx="1">
+        <a:scrgbClr r="0" g="0" b="0"/>
+      </a:fillRef>
+      <a:effectRef idx="0">
+        <a:scrgbClr r="0" g="0" b="0"/>
+      </a:effectRef>
+      <a:fontRef idx="minor"/>
+    </dgm:style>
+  </dgm:styleLbl>
+  <dgm:styleLbl name="fgShp">
+    <dgm:scene3d>
+      <a:camera prst="orthographicFront"/>
+      <a:lightRig rig="threePt" dir="t"/>
+    </dgm:scene3d>
+    <dgm:sp3d/>
+    <dgm:txPr/>
+    <dgm:style>
+      <a:lnRef idx="2">
+        <a:scrgbClr r="0" g="0" b="0"/>
+      </a:lnRef>
+      <a:fillRef idx="1">
+        <a:scrgbClr r="0" g="0" b="0"/>
+      </a:fillRef>
+      <a:effectRef idx="0">
+        <a:scrgbClr r="0" g="0" b="0"/>
+      </a:effectRef>
+      <a:fontRef idx="minor"/>
+    </dgm:style>
+  </dgm:styleLbl>
+  <dgm:styleLbl name="revTx">
+    <dgm:scene3d>
+      <a:camera prst="orthographicFront"/>
+      <a:lightRig rig="threePt" dir="t"/>
+    </dgm:scene3d>
+    <dgm:sp3d/>
+    <dgm:txPr/>
+    <dgm:style>
+      <a:lnRef idx="0">
+        <a:scrgbClr r="0" g="0" b="0"/>
+      </a:lnRef>
+      <a:fillRef idx="0">
+        <a:scrgbClr r="0" g="0" b="0"/>
+      </a:fillRef>
+      <a:effectRef idx="0">
+        <a:scrgbClr r="0" g="0" b="0"/>
+      </a:effectRef>
+      <a:fontRef idx="minor"/>
+    </dgm:style>
+  </dgm:styleLbl>
+</dgm:styleDef>
+</file>
+
 <file path=ppt/slideLayouts/slideLayout1.xml><?xml version="1.0" encoding="utf-8"?>
 <p:sldLayout xmlns:a="http://schemas.openxmlformats.org/drawingml/2006/main" xmlns:r="http://schemas.openxmlformats.org/officeDocument/2006/relationships" xmlns:p="http://schemas.openxmlformats.org/presentationml/2006/main" type="title" preserve="1">
   <p:cSld name="Diapositivo de Título">
@@ -3395,7 +6128,7 @@
           <a:p>
             <a:fld id="{8D3AE0E8-4F85-4FF4-9F95-E3E822B81886}" type="datetimeFigureOut">
               <a:rPr lang="pt-PT" smtClean="0"/>
-              <a:t>16/12/2023</a:t>
+              <a:t>28/12/2023</a:t>
             </a:fld>
             <a:endParaRPr lang="pt-PT"/>
           </a:p>
@@ -3565,7 +6298,7 @@
           <a:p>
             <a:fld id="{8D3AE0E8-4F85-4FF4-9F95-E3E822B81886}" type="datetimeFigureOut">
               <a:rPr lang="pt-PT" smtClean="0"/>
-              <a:t>16/12/2023</a:t>
+              <a:t>28/12/2023</a:t>
             </a:fld>
             <a:endParaRPr lang="pt-PT"/>
           </a:p>
@@ -3745,7 +6478,7 @@
           <a:p>
             <a:fld id="{8D3AE0E8-4F85-4FF4-9F95-E3E822B81886}" type="datetimeFigureOut">
               <a:rPr lang="pt-PT" smtClean="0"/>
-              <a:t>16/12/2023</a:t>
+              <a:t>28/12/2023</a:t>
             </a:fld>
             <a:endParaRPr lang="pt-PT"/>
           </a:p>
@@ -3915,7 +6648,7 @@
           <a:p>
             <a:fld id="{8D3AE0E8-4F85-4FF4-9F95-E3E822B81886}" type="datetimeFigureOut">
               <a:rPr lang="pt-PT" smtClean="0"/>
-              <a:t>16/12/2023</a:t>
+              <a:t>28/12/2023</a:t>
             </a:fld>
             <a:endParaRPr lang="pt-PT"/>
           </a:p>
@@ -4161,7 +6894,7 @@
           <a:p>
             <a:fld id="{8D3AE0E8-4F85-4FF4-9F95-E3E822B81886}" type="datetimeFigureOut">
               <a:rPr lang="pt-PT" smtClean="0"/>
-              <a:t>16/12/2023</a:t>
+              <a:t>28/12/2023</a:t>
             </a:fld>
             <a:endParaRPr lang="pt-PT"/>
           </a:p>
@@ -4393,7 +7126,7 @@
           <a:p>
             <a:fld id="{8D3AE0E8-4F85-4FF4-9F95-E3E822B81886}" type="datetimeFigureOut">
               <a:rPr lang="pt-PT" smtClean="0"/>
-              <a:t>16/12/2023</a:t>
+              <a:t>28/12/2023</a:t>
             </a:fld>
             <a:endParaRPr lang="pt-PT"/>
           </a:p>
@@ -4760,7 +7493,7 @@
           <a:p>
             <a:fld id="{8D3AE0E8-4F85-4FF4-9F95-E3E822B81886}" type="datetimeFigureOut">
               <a:rPr lang="pt-PT" smtClean="0"/>
-              <a:t>16/12/2023</a:t>
+              <a:t>28/12/2023</a:t>
             </a:fld>
             <a:endParaRPr lang="pt-PT"/>
           </a:p>
@@ -4878,7 +7611,7 @@
           <a:p>
             <a:fld id="{8D3AE0E8-4F85-4FF4-9F95-E3E822B81886}" type="datetimeFigureOut">
               <a:rPr lang="pt-PT" smtClean="0"/>
-              <a:t>16/12/2023</a:t>
+              <a:t>28/12/2023</a:t>
             </a:fld>
             <a:endParaRPr lang="pt-PT"/>
           </a:p>
@@ -4973,7 +7706,7 @@
           <a:p>
             <a:fld id="{8D3AE0E8-4F85-4FF4-9F95-E3E822B81886}" type="datetimeFigureOut">
               <a:rPr lang="pt-PT" smtClean="0"/>
-              <a:t>16/12/2023</a:t>
+              <a:t>28/12/2023</a:t>
             </a:fld>
             <a:endParaRPr lang="pt-PT"/>
           </a:p>
@@ -5250,7 +7983,7 @@
           <a:p>
             <a:fld id="{8D3AE0E8-4F85-4FF4-9F95-E3E822B81886}" type="datetimeFigureOut">
               <a:rPr lang="pt-PT" smtClean="0"/>
-              <a:t>16/12/2023</a:t>
+              <a:t>28/12/2023</a:t>
             </a:fld>
             <a:endParaRPr lang="pt-PT"/>
           </a:p>
@@ -5503,7 +8236,7 @@
           <a:p>
             <a:fld id="{8D3AE0E8-4F85-4FF4-9F95-E3E822B81886}" type="datetimeFigureOut">
               <a:rPr lang="pt-PT" smtClean="0"/>
-              <a:t>16/12/2023</a:t>
+              <a:t>28/12/2023</a:t>
             </a:fld>
             <a:endParaRPr lang="pt-PT"/>
           </a:p>
@@ -5716,7 +8449,7 @@
           <a:p>
             <a:fld id="{8D3AE0E8-4F85-4FF4-9F95-E3E822B81886}" type="datetimeFigureOut">
               <a:rPr lang="pt-PT" smtClean="0"/>
-              <a:t>16/12/2023</a:t>
+              <a:t>28/12/2023</a:t>
             </a:fld>
             <a:endParaRPr lang="pt-PT"/>
           </a:p>
@@ -6121,41 +8854,228 @@
           <a:chExt cx="0" cy="0"/>
         </a:xfrm>
       </p:grpSpPr>
+      <p:graphicFrame>
+        <p:nvGraphicFramePr>
+          <p:cNvPr id="4" name="Marcador de Posição de Conteúdo 3"/>
+          <p:cNvGraphicFramePr>
+            <a:graphicFrameLocks noGrp="1"/>
+          </p:cNvGraphicFramePr>
+          <p:nvPr>
+            <p:ph idx="1"/>
+            <p:extLst>
+              <p:ext uri="{D42A27DB-BD31-4B8C-83A1-F6EECF244321}">
+                <p14:modId xmlns:p14="http://schemas.microsoft.com/office/powerpoint/2010/main" val="3393816211"/>
+              </p:ext>
+            </p:extLst>
+          </p:nvPr>
+        </p:nvGraphicFramePr>
+        <p:xfrm>
+          <a:off x="3924300" y="1168400"/>
+          <a:ext cx="4279900" cy="5016500"/>
+        </p:xfrm>
+        <a:graphic>
+          <a:graphicData uri="http://schemas.openxmlformats.org/drawingml/2006/diagram">
+            <dgm:relIds xmlns:dgm="http://schemas.openxmlformats.org/drawingml/2006/diagram" xmlns:r="http://schemas.openxmlformats.org/officeDocument/2006/relationships" r:dm="rId2" r:lo="rId3" r:qs="rId4" r:cs="rId5"/>
+          </a:graphicData>
+        </a:graphic>
+      </p:graphicFrame>
       <p:sp>
         <p:nvSpPr>
-          <p:cNvPr id="2" name="Título 1"/>
-          <p:cNvSpPr>
-            <a:spLocks noGrp="1"/>
-          </p:cNvSpPr>
-          <p:nvPr>
-            <p:ph type="title"/>
-          </p:nvPr>
+          <p:cNvPr id="21" name="Seta curvada à direita 20"/>
+          <p:cNvSpPr/>
+          <p:nvPr/>
         </p:nvSpPr>
-        <p:spPr/>
+        <p:spPr>
+          <a:xfrm>
+            <a:off x="4216400" y="3325807"/>
+            <a:ext cx="723900" cy="762000"/>
+          </a:xfrm>
+          <a:prstGeom prst="curvedRightArrow">
+            <a:avLst>
+              <a:gd name="adj1" fmla="val 0"/>
+              <a:gd name="adj2" fmla="val 7097"/>
+              <a:gd name="adj3" fmla="val 17683"/>
+            </a:avLst>
+          </a:prstGeom>
+          <a:ln w="19050">
+            <a:solidFill>
+              <a:schemeClr val="accent1">
+                <a:lumMod val="75000"/>
+              </a:schemeClr>
+            </a:solidFill>
+          </a:ln>
+        </p:spPr>
+        <p:style>
+          <a:lnRef idx="2">
+            <a:schemeClr val="accent6"/>
+          </a:lnRef>
+          <a:fillRef idx="1">
+            <a:schemeClr val="lt1"/>
+          </a:fillRef>
+          <a:effectRef idx="0">
+            <a:schemeClr val="accent6"/>
+          </a:effectRef>
+          <a:fontRef idx="minor">
+            <a:schemeClr val="dk1"/>
+          </a:fontRef>
+        </p:style>
         <p:txBody>
-          <a:bodyPr/>
+          <a:bodyPr rtlCol="0" anchor="ctr"/>
           <a:lstStyle/>
           <a:p>
-            <a:endParaRPr lang="pt-PT"/>
+            <a:pPr algn="ctr"/>
+            <a:endParaRPr lang="pt-PT">
+              <a:solidFill>
+                <a:schemeClr val="tx1"/>
+              </a:solidFill>
+            </a:endParaRPr>
           </a:p>
         </p:txBody>
       </p:sp>
       <p:sp>
         <p:nvSpPr>
-          <p:cNvPr id="3" name="Marcador de Posição de Conteúdo 2"/>
-          <p:cNvSpPr>
-            <a:spLocks noGrp="1"/>
-          </p:cNvSpPr>
-          <p:nvPr>
-            <p:ph idx="1"/>
-          </p:nvPr>
+          <p:cNvPr id="22" name="CaixaDeTexto 21"/>
+          <p:cNvSpPr txBox="1"/>
+          <p:nvPr/>
         </p:nvSpPr>
-        <p:spPr/>
+        <p:spPr>
+          <a:xfrm>
+            <a:off x="4015740" y="2915153"/>
+            <a:ext cx="1125219" cy="553998"/>
+          </a:xfrm>
+          <a:prstGeom prst="rect">
+            <a:avLst/>
+          </a:prstGeom>
+          <a:noFill/>
+        </p:spPr>
         <p:txBody>
-          <a:bodyPr/>
+          <a:bodyPr wrap="square" rtlCol="0">
+            <a:spAutoFit/>
+          </a:bodyPr>
           <a:lstStyle/>
           <a:p>
-            <a:endParaRPr lang="pt-PT"/>
+            <a:r>
+              <a:rPr lang="pt-PT" sz="1200" b="1" dirty="0" smtClean="0"/>
+              <a:t>Method A</a:t>
+            </a:r>
+          </a:p>
+          <a:p>
+            <a:endParaRPr lang="pt-PT" dirty="0"/>
+          </a:p>
+        </p:txBody>
+      </p:sp>
+      <p:sp>
+        <p:nvSpPr>
+          <p:cNvPr id="23" name="Seta curvada à direita 22"/>
+          <p:cNvSpPr/>
+          <p:nvPr/>
+        </p:nvSpPr>
+        <p:spPr>
+          <a:xfrm>
+            <a:off x="4216400" y="4602028"/>
+            <a:ext cx="723900" cy="897072"/>
+          </a:xfrm>
+          <a:prstGeom prst="curvedRightArrow">
+            <a:avLst>
+              <a:gd name="adj1" fmla="val 0"/>
+              <a:gd name="adj2" fmla="val 7097"/>
+              <a:gd name="adj3" fmla="val 17683"/>
+            </a:avLst>
+          </a:prstGeom>
+          <a:ln w="19050">
+            <a:solidFill>
+              <a:schemeClr val="accent1">
+                <a:lumMod val="75000"/>
+              </a:schemeClr>
+            </a:solidFill>
+          </a:ln>
+        </p:spPr>
+        <p:style>
+          <a:lnRef idx="2">
+            <a:schemeClr val="accent6"/>
+          </a:lnRef>
+          <a:fillRef idx="1">
+            <a:schemeClr val="lt1"/>
+          </a:fillRef>
+          <a:effectRef idx="0">
+            <a:schemeClr val="accent6"/>
+          </a:effectRef>
+          <a:fontRef idx="minor">
+            <a:schemeClr val="dk1"/>
+          </a:fontRef>
+        </p:style>
+        <p:txBody>
+          <a:bodyPr rtlCol="0" anchor="ctr"/>
+          <a:lstStyle/>
+          <a:p>
+            <a:pPr algn="ctr"/>
+            <a:endParaRPr lang="pt-PT">
+              <a:solidFill>
+                <a:schemeClr val="tx1"/>
+              </a:solidFill>
+            </a:endParaRPr>
+          </a:p>
+        </p:txBody>
+      </p:sp>
+      <p:sp>
+        <p:nvSpPr>
+          <p:cNvPr id="24" name="CaixaDeTexto 23"/>
+          <p:cNvSpPr txBox="1"/>
+          <p:nvPr/>
+        </p:nvSpPr>
+        <p:spPr>
+          <a:xfrm>
+            <a:off x="4015740" y="4325029"/>
+            <a:ext cx="1125219" cy="553998"/>
+          </a:xfrm>
+          <a:prstGeom prst="rect">
+            <a:avLst/>
+          </a:prstGeom>
+          <a:noFill/>
+        </p:spPr>
+        <p:txBody>
+          <a:bodyPr wrap="square" rtlCol="0">
+            <a:spAutoFit/>
+          </a:bodyPr>
+          <a:lstStyle/>
+          <a:p>
+            <a:r>
+              <a:rPr lang="pt-PT" sz="1200" b="1" dirty="0" smtClean="0"/>
+              <a:t>Method B</a:t>
+            </a:r>
+          </a:p>
+          <a:p>
+            <a:endParaRPr lang="pt-PT" dirty="0"/>
+          </a:p>
+        </p:txBody>
+      </p:sp>
+      <p:sp>
+        <p:nvSpPr>
+          <p:cNvPr id="25" name="CaixaDeTexto 24"/>
+          <p:cNvSpPr txBox="1"/>
+          <p:nvPr/>
+        </p:nvSpPr>
+        <p:spPr>
+          <a:xfrm>
+            <a:off x="3753200" y="439853"/>
+            <a:ext cx="4791248" cy="523220"/>
+          </a:xfrm>
+          <a:prstGeom prst="rect">
+            <a:avLst/>
+          </a:prstGeom>
+          <a:noFill/>
+        </p:spPr>
+        <p:txBody>
+          <a:bodyPr wrap="none" rtlCol="0">
+            <a:spAutoFit/>
+          </a:bodyPr>
+          <a:lstStyle/>
+          <a:p>
+            <a:r>
+              <a:rPr lang="pt-PT" sz="2800" b="1" dirty="0" smtClean="0"/>
+              <a:t>Connection Between Modules </a:t>
+            </a:r>
+            <a:endParaRPr lang="pt-PT" sz="2800" b="1" dirty="0"/>
           </a:p>
         </p:txBody>
       </p:sp>
@@ -6203,7 +9123,7 @@
           <p:nvPr>
             <p:extLst>
               <p:ext uri="{D42A27DB-BD31-4B8C-83A1-F6EECF244321}">
-                <p14:modId xmlns:p14="http://schemas.microsoft.com/office/powerpoint/2010/main" val="3797898009"/>
+                <p14:modId xmlns:p14="http://schemas.microsoft.com/office/powerpoint/2010/main" val="3211778345"/>
               </p:ext>
             </p:extLst>
           </p:nvPr>
@@ -6220,62 +9140,31 @@
       </p:graphicFrame>
       <p:sp>
         <p:nvSpPr>
-          <p:cNvPr id="9" name="Retângulo 8"/>
-          <p:cNvSpPr/>
+          <p:cNvPr id="2" name="CaixaDeTexto 1"/>
+          <p:cNvSpPr txBox="1"/>
           <p:nvPr/>
         </p:nvSpPr>
         <p:spPr>
           <a:xfrm>
-            <a:off x="4767480" y="636717"/>
-            <a:ext cx="2649320" cy="461665"/>
+            <a:off x="4864100" y="698500"/>
+            <a:ext cx="3004797" cy="523220"/>
           </a:xfrm>
           <a:prstGeom prst="rect">
             <a:avLst/>
           </a:prstGeom>
+          <a:noFill/>
         </p:spPr>
         <p:txBody>
-          <a:bodyPr wrap="square">
+          <a:bodyPr wrap="none" rtlCol="0">
             <a:spAutoFit/>
           </a:bodyPr>
           <a:lstStyle/>
           <a:p>
-            <a:pPr algn="ctr"/>
             <a:r>
-              <a:rPr lang="pt-PT" sz="2400" dirty="0" smtClean="0">
-                <a:ln w="0"/>
-                <a:effectLst>
-                  <a:outerShdw blurRad="38100" dist="19050" dir="2700000" algn="tl" rotWithShape="0">
-                    <a:schemeClr val="dk1">
-                      <a:alpha val="40000"/>
-                    </a:schemeClr>
-                  </a:outerShdw>
-                </a:effectLst>
-              </a:rPr>
-              <a:t>Routes (Endpoints</a:t>
+              <a:rPr lang="pt-PT" sz="2800" b="1" dirty="0" smtClean="0"/>
+              <a:t>Routes (Endpoints)</a:t>
             </a:r>
-            <a:r>
-              <a:rPr lang="pt-PT" sz="2400" dirty="0">
-                <a:ln w="0"/>
-                <a:effectLst>
-                  <a:outerShdw blurRad="38100" dist="19050" dir="2700000" algn="tl" rotWithShape="0">
-                    <a:schemeClr val="dk1">
-                      <a:alpha val="40000"/>
-                    </a:schemeClr>
-                  </a:outerShdw>
-                </a:effectLst>
-              </a:rPr>
-              <a:t>)</a:t>
-            </a:r>
-            <a:endParaRPr lang="pt-PT" sz="2400" dirty="0">
-              <a:ln w="0"/>
-              <a:effectLst>
-                <a:outerShdw blurRad="38100" dist="19050" dir="2700000" algn="tl" rotWithShape="0">
-                  <a:schemeClr val="dk1">
-                    <a:alpha val="40000"/>
-                  </a:schemeClr>
-                </a:outerShdw>
-              </a:effectLst>
-            </a:endParaRPr>
+            <a:endParaRPr lang="pt-PT" sz="2800" b="1" dirty="0"/>
           </a:p>
         </p:txBody>
       </p:sp>
